--- a/slides/On-Campus/13_01_AbstractClasses.pptx
+++ b/slides/On-Campus/13_01_AbstractClasses.pptx
@@ -5,18 +5,20 @@
     <p:sldMasterId id="2147483648" r:id="rId1"/>
   </p:sldMasterIdLst>
   <p:notesMasterIdLst>
-    <p:notesMasterId r:id="rId8"/>
+    <p:notesMasterId r:id="rId10"/>
   </p:notesMasterIdLst>
   <p:handoutMasterIdLst>
-    <p:handoutMasterId r:id="rId9"/>
+    <p:handoutMasterId r:id="rId11"/>
   </p:handoutMasterIdLst>
   <p:sldIdLst>
     <p:sldId id="256" r:id="rId2"/>
     <p:sldId id="257" r:id="rId3"/>
     <p:sldId id="258" r:id="rId4"/>
-    <p:sldId id="259" r:id="rId5"/>
-    <p:sldId id="260" r:id="rId6"/>
-    <p:sldId id="261" r:id="rId7"/>
+    <p:sldId id="262" r:id="rId5"/>
+    <p:sldId id="259" r:id="rId6"/>
+    <p:sldId id="260" r:id="rId7"/>
+    <p:sldId id="261" r:id="rId8"/>
+    <p:sldId id="263" r:id="rId9"/>
   </p:sldIdLst>
   <p:sldSz cx="13817600" cy="7772400"/>
   <p:notesSz cx="6858000" cy="9144000"/>
@@ -137,6 +139,314 @@
 </p:presentation>
 </file>
 
+<file path=ppt/changesInfos/changesInfo1.xml><?xml version="1.0" encoding="utf-8"?>
+<pc:chgInfo xmlns:a="http://schemas.openxmlformats.org/drawingml/2006/main" xmlns:r="http://schemas.openxmlformats.org/officeDocument/2006/relationships" xmlns:ac="http://schemas.microsoft.com/office/drawing/2013/main/command" xmlns:pc="http://schemas.microsoft.com/office/powerpoint/2013/main/command">
+  <pc:docChgLst>
+    <pc:chgData name="Marcia Moraes" userId="c9c67e8a-58e2-4733-9a1c-5d44fec4775b" providerId="ADAL" clId="{59ADEE7F-1007-466A-AF25-BDC189F1435A}"/>
+    <pc:docChg chg="custSel addSld modSld">
+      <pc:chgData name="Marcia Moraes" userId="c9c67e8a-58e2-4733-9a1c-5d44fec4775b" providerId="ADAL" clId="{59ADEE7F-1007-466A-AF25-BDC189F1435A}" dt="2021-11-12T19:59:23.985" v="939" actId="164"/>
+      <pc:docMkLst>
+        <pc:docMk/>
+      </pc:docMkLst>
+      <pc:sldChg chg="addSp delSp modSp add">
+        <pc:chgData name="Marcia Moraes" userId="c9c67e8a-58e2-4733-9a1c-5d44fec4775b" providerId="ADAL" clId="{59ADEE7F-1007-466A-AF25-BDC189F1435A}" dt="2021-11-12T19:40:14.331" v="525" actId="20577"/>
+        <pc:sldMkLst>
+          <pc:docMk/>
+          <pc:sldMk cId="2994398508" sldId="262"/>
+        </pc:sldMkLst>
+        <pc:spChg chg="mod">
+          <ac:chgData name="Marcia Moraes" userId="c9c67e8a-58e2-4733-9a1c-5d44fec4775b" providerId="ADAL" clId="{59ADEE7F-1007-466A-AF25-BDC189F1435A}" dt="2021-11-12T19:28:10.413" v="27" actId="20577"/>
+          <ac:spMkLst>
+            <pc:docMk/>
+            <pc:sldMk cId="2994398508" sldId="262"/>
+            <ac:spMk id="2" creationId="{0EA0677C-5E9D-BA45-B9ED-0DB234643271}"/>
+          </ac:spMkLst>
+        </pc:spChg>
+        <pc:spChg chg="del">
+          <ac:chgData name="Marcia Moraes" userId="c9c67e8a-58e2-4733-9a1c-5d44fec4775b" providerId="ADAL" clId="{59ADEE7F-1007-466A-AF25-BDC189F1435A}" dt="2021-11-12T19:28:16.193" v="28" actId="478"/>
+          <ac:spMkLst>
+            <pc:docMk/>
+            <pc:sldMk cId="2994398508" sldId="262"/>
+            <ac:spMk id="3" creationId="{201C55D7-A9DA-6843-81F0-3A1F6B9F9405}"/>
+          </ac:spMkLst>
+        </pc:spChg>
+        <pc:spChg chg="add mod">
+          <ac:chgData name="Marcia Moraes" userId="c9c67e8a-58e2-4733-9a1c-5d44fec4775b" providerId="ADAL" clId="{59ADEE7F-1007-466A-AF25-BDC189F1435A}" dt="2021-11-12T19:32:28.638" v="370" actId="20577"/>
+          <ac:spMkLst>
+            <pc:docMk/>
+            <pc:sldMk cId="2994398508" sldId="262"/>
+            <ac:spMk id="5" creationId="{0A6AD85F-6D71-420D-9CF4-AFEA9B4374F9}"/>
+          </ac:spMkLst>
+        </pc:spChg>
+        <pc:spChg chg="mod topLvl">
+          <ac:chgData name="Marcia Moraes" userId="c9c67e8a-58e2-4733-9a1c-5d44fec4775b" providerId="ADAL" clId="{59ADEE7F-1007-466A-AF25-BDC189F1435A}" dt="2021-11-12T19:32:49.255" v="384" actId="1076"/>
+          <ac:spMkLst>
+            <pc:docMk/>
+            <pc:sldMk cId="2994398508" sldId="262"/>
+            <ac:spMk id="7" creationId="{1D150D54-13A7-4CDA-A704-BEA95F0CFE12}"/>
+          </ac:spMkLst>
+        </pc:spChg>
+        <pc:spChg chg="mod topLvl">
+          <ac:chgData name="Marcia Moraes" userId="c9c67e8a-58e2-4733-9a1c-5d44fec4775b" providerId="ADAL" clId="{59ADEE7F-1007-466A-AF25-BDC189F1435A}" dt="2021-11-12T19:39:23.398" v="493" actId="14100"/>
+          <ac:spMkLst>
+            <pc:docMk/>
+            <pc:sldMk cId="2994398508" sldId="262"/>
+            <ac:spMk id="8" creationId="{8C95A315-5E35-4311-AEB1-28216D8E490E}"/>
+          </ac:spMkLst>
+        </pc:spChg>
+        <pc:spChg chg="mod topLvl">
+          <ac:chgData name="Marcia Moraes" userId="c9c67e8a-58e2-4733-9a1c-5d44fec4775b" providerId="ADAL" clId="{59ADEE7F-1007-466A-AF25-BDC189F1435A}" dt="2021-11-12T19:39:12.265" v="492" actId="14100"/>
+          <ac:spMkLst>
+            <pc:docMk/>
+            <pc:sldMk cId="2994398508" sldId="262"/>
+            <ac:spMk id="10" creationId="{783ADDED-1481-4660-A8D6-11DC6BCDB5CF}"/>
+          </ac:spMkLst>
+        </pc:spChg>
+        <pc:spChg chg="add mod">
+          <ac:chgData name="Marcia Moraes" userId="c9c67e8a-58e2-4733-9a1c-5d44fec4775b" providerId="ADAL" clId="{59ADEE7F-1007-466A-AF25-BDC189F1435A}" dt="2021-11-12T19:40:01.055" v="510" actId="5793"/>
+          <ac:spMkLst>
+            <pc:docMk/>
+            <pc:sldMk cId="2994398508" sldId="262"/>
+            <ac:spMk id="15" creationId="{4DE9E1B7-5B2E-48DB-8698-BB14D000CC3A}"/>
+          </ac:spMkLst>
+        </pc:spChg>
+        <pc:spChg chg="mod">
+          <ac:chgData name="Marcia Moraes" userId="c9c67e8a-58e2-4733-9a1c-5d44fec4775b" providerId="ADAL" clId="{59ADEE7F-1007-466A-AF25-BDC189F1435A}" dt="2021-11-12T19:35:19.364" v="394" actId="6549"/>
+          <ac:spMkLst>
+            <pc:docMk/>
+            <pc:sldMk cId="2994398508" sldId="262"/>
+            <ac:spMk id="18" creationId="{EFA9229F-6343-479F-B2AC-EEECECABCD59}"/>
+          </ac:spMkLst>
+        </pc:spChg>
+        <pc:spChg chg="add mod">
+          <ac:chgData name="Marcia Moraes" userId="c9c67e8a-58e2-4733-9a1c-5d44fec4775b" providerId="ADAL" clId="{59ADEE7F-1007-466A-AF25-BDC189F1435A}" dt="2021-11-12T19:40:14.331" v="525" actId="20577"/>
+          <ac:spMkLst>
+            <pc:docMk/>
+            <pc:sldMk cId="2994398508" sldId="262"/>
+            <ac:spMk id="21" creationId="{7E2E6D36-BB32-497D-9F5F-231FA657E416}"/>
+          </ac:spMkLst>
+        </pc:spChg>
+        <pc:grpChg chg="add del">
+          <ac:chgData name="Marcia Moraes" userId="c9c67e8a-58e2-4733-9a1c-5d44fec4775b" providerId="ADAL" clId="{59ADEE7F-1007-466A-AF25-BDC189F1435A}" dt="2021-11-12T19:29:25.353" v="55" actId="165"/>
+          <ac:grpSpMkLst>
+            <pc:docMk/>
+            <pc:sldMk cId="2994398508" sldId="262"/>
+            <ac:grpSpMk id="6" creationId="{3E532DF3-74BF-437C-9FA8-2E7B72AB6FB2}"/>
+          </ac:grpSpMkLst>
+        </pc:grpChg>
+        <pc:grpChg chg="add mod">
+          <ac:chgData name="Marcia Moraes" userId="c9c67e8a-58e2-4733-9a1c-5d44fec4775b" providerId="ADAL" clId="{59ADEE7F-1007-466A-AF25-BDC189F1435A}" dt="2021-11-12T19:30:50.167" v="116" actId="1076"/>
+          <ac:grpSpMkLst>
+            <pc:docMk/>
+            <pc:sldMk cId="2994398508" sldId="262"/>
+            <ac:grpSpMk id="11" creationId="{139B2CF1-A53A-4800-B5DC-C20B1B9FCB47}"/>
+          </ac:grpSpMkLst>
+        </pc:grpChg>
+        <pc:grpChg chg="add mod">
+          <ac:chgData name="Marcia Moraes" userId="c9c67e8a-58e2-4733-9a1c-5d44fec4775b" providerId="ADAL" clId="{59ADEE7F-1007-466A-AF25-BDC189F1435A}" dt="2021-11-12T19:36:41.415" v="462" actId="1076"/>
+          <ac:grpSpMkLst>
+            <pc:docMk/>
+            <pc:sldMk cId="2994398508" sldId="262"/>
+            <ac:grpSpMk id="17" creationId="{FE06C3B8-9BB0-41C2-A480-4BEEFB612331}"/>
+          </ac:grpSpMkLst>
+        </pc:grpChg>
+        <pc:cxnChg chg="mod topLvl">
+          <ac:chgData name="Marcia Moraes" userId="c9c67e8a-58e2-4733-9a1c-5d44fec4775b" providerId="ADAL" clId="{59ADEE7F-1007-466A-AF25-BDC189F1435A}" dt="2021-11-12T19:39:30.615" v="494" actId="14100"/>
+          <ac:cxnSpMkLst>
+            <pc:docMk/>
+            <pc:sldMk cId="2994398508" sldId="262"/>
+            <ac:cxnSpMk id="9" creationId="{8E0FDDAE-15E2-4928-A052-96AB64471F0B}"/>
+          </ac:cxnSpMkLst>
+        </pc:cxnChg>
+        <pc:cxnChg chg="add del mod">
+          <ac:chgData name="Marcia Moraes" userId="c9c67e8a-58e2-4733-9a1c-5d44fec4775b" providerId="ADAL" clId="{59ADEE7F-1007-466A-AF25-BDC189F1435A}" dt="2021-11-12T19:30:40.690" v="114" actId="478"/>
+          <ac:cxnSpMkLst>
+            <pc:docMk/>
+            <pc:sldMk cId="2994398508" sldId="262"/>
+            <ac:cxnSpMk id="16" creationId="{A77E9FF6-BE07-475E-95EC-62092602BD45}"/>
+          </ac:cxnSpMkLst>
+        </pc:cxnChg>
+        <pc:cxnChg chg="add mod">
+          <ac:chgData name="Marcia Moraes" userId="c9c67e8a-58e2-4733-9a1c-5d44fec4775b" providerId="ADAL" clId="{59ADEE7F-1007-466A-AF25-BDC189F1435A}" dt="2021-11-12T19:37:20.978" v="466" actId="13822"/>
+          <ac:cxnSpMkLst>
+            <pc:docMk/>
+            <pc:sldMk cId="2994398508" sldId="262"/>
+            <ac:cxnSpMk id="23" creationId="{D892288A-47F8-4760-B9C1-86694888D556}"/>
+          </ac:cxnSpMkLst>
+        </pc:cxnChg>
+        <pc:cxnChg chg="add mod">
+          <ac:chgData name="Marcia Moraes" userId="c9c67e8a-58e2-4733-9a1c-5d44fec4775b" providerId="ADAL" clId="{59ADEE7F-1007-466A-AF25-BDC189F1435A}" dt="2021-11-12T19:37:39.009" v="468" actId="13822"/>
+          <ac:cxnSpMkLst>
+            <pc:docMk/>
+            <pc:sldMk cId="2994398508" sldId="262"/>
+            <ac:cxnSpMk id="25" creationId="{EE5667D8-6A3E-4CFF-9D39-58806EE764C3}"/>
+          </ac:cxnSpMkLst>
+        </pc:cxnChg>
+      </pc:sldChg>
+      <pc:sldChg chg="addSp delSp modSp add">
+        <pc:chgData name="Marcia Moraes" userId="c9c67e8a-58e2-4733-9a1c-5d44fec4775b" providerId="ADAL" clId="{59ADEE7F-1007-466A-AF25-BDC189F1435A}" dt="2021-11-12T19:59:23.985" v="939" actId="164"/>
+        <pc:sldMkLst>
+          <pc:docMk/>
+          <pc:sldMk cId="2436844951" sldId="263"/>
+        </pc:sldMkLst>
+        <pc:spChg chg="mod">
+          <ac:chgData name="Marcia Moraes" userId="c9c67e8a-58e2-4733-9a1c-5d44fec4775b" providerId="ADAL" clId="{59ADEE7F-1007-466A-AF25-BDC189F1435A}" dt="2021-11-12T19:48:00.218" v="536" actId="20577"/>
+          <ac:spMkLst>
+            <pc:docMk/>
+            <pc:sldMk cId="2436844951" sldId="263"/>
+            <ac:spMk id="2" creationId="{0EA0677C-5E9D-BA45-B9ED-0DB234643271}"/>
+          </ac:spMkLst>
+        </pc:spChg>
+        <pc:spChg chg="mod">
+          <ac:chgData name="Marcia Moraes" userId="c9c67e8a-58e2-4733-9a1c-5d44fec4775b" providerId="ADAL" clId="{59ADEE7F-1007-466A-AF25-BDC189F1435A}" dt="2021-11-12T19:56:47.453" v="766" actId="1076"/>
+          <ac:spMkLst>
+            <pc:docMk/>
+            <pc:sldMk cId="2436844951" sldId="263"/>
+            <ac:spMk id="5" creationId="{0A6AD85F-6D71-420D-9CF4-AFEA9B4374F9}"/>
+          </ac:spMkLst>
+        </pc:spChg>
+        <pc:spChg chg="del">
+          <ac:chgData name="Marcia Moraes" userId="c9c67e8a-58e2-4733-9a1c-5d44fec4775b" providerId="ADAL" clId="{59ADEE7F-1007-466A-AF25-BDC189F1435A}" dt="2021-11-12T19:55:38.608" v="734" actId="478"/>
+          <ac:spMkLst>
+            <pc:docMk/>
+            <pc:sldMk cId="2436844951" sldId="263"/>
+            <ac:spMk id="7" creationId="{1D150D54-13A7-4CDA-A704-BEA95F0CFE12}"/>
+          </ac:spMkLst>
+        </pc:spChg>
+        <pc:spChg chg="del">
+          <ac:chgData name="Marcia Moraes" userId="c9c67e8a-58e2-4733-9a1c-5d44fec4775b" providerId="ADAL" clId="{59ADEE7F-1007-466A-AF25-BDC189F1435A}" dt="2021-11-12T19:55:39.758" v="735" actId="478"/>
+          <ac:spMkLst>
+            <pc:docMk/>
+            <pc:sldMk cId="2436844951" sldId="263"/>
+            <ac:spMk id="8" creationId="{8C95A315-5E35-4311-AEB1-28216D8E490E}"/>
+          </ac:spMkLst>
+        </pc:spChg>
+        <pc:spChg chg="del">
+          <ac:chgData name="Marcia Moraes" userId="c9c67e8a-58e2-4733-9a1c-5d44fec4775b" providerId="ADAL" clId="{59ADEE7F-1007-466A-AF25-BDC189F1435A}" dt="2021-11-12T19:55:35.408" v="732" actId="478"/>
+          <ac:spMkLst>
+            <pc:docMk/>
+            <pc:sldMk cId="2436844951" sldId="263"/>
+            <ac:spMk id="10" creationId="{783ADDED-1481-4660-A8D6-11DC6BCDB5CF}"/>
+          </ac:spMkLst>
+        </pc:spChg>
+        <pc:spChg chg="mod topLvl">
+          <ac:chgData name="Marcia Moraes" userId="c9c67e8a-58e2-4733-9a1c-5d44fec4775b" providerId="ADAL" clId="{59ADEE7F-1007-466A-AF25-BDC189F1435A}" dt="2021-11-12T19:56:43.639" v="765" actId="164"/>
+          <ac:spMkLst>
+            <pc:docMk/>
+            <pc:sldMk cId="2436844951" sldId="263"/>
+            <ac:spMk id="12" creationId="{ED58F786-1812-422E-B987-C775EB766395}"/>
+          </ac:spMkLst>
+        </pc:spChg>
+        <pc:spChg chg="mod topLvl">
+          <ac:chgData name="Marcia Moraes" userId="c9c67e8a-58e2-4733-9a1c-5d44fec4775b" providerId="ADAL" clId="{59ADEE7F-1007-466A-AF25-BDC189F1435A}" dt="2021-11-12T19:56:43.639" v="765" actId="164"/>
+          <ac:spMkLst>
+            <pc:docMk/>
+            <pc:sldMk cId="2436844951" sldId="263"/>
+            <ac:spMk id="13" creationId="{FD15437E-50F2-4BB0-A7FD-E143BD858646}"/>
+          </ac:spMkLst>
+        </pc:spChg>
+        <pc:spChg chg="mod">
+          <ac:chgData name="Marcia Moraes" userId="c9c67e8a-58e2-4733-9a1c-5d44fec4775b" providerId="ADAL" clId="{59ADEE7F-1007-466A-AF25-BDC189F1435A}" dt="2021-11-12T19:56:43.639" v="765" actId="164"/>
+          <ac:spMkLst>
+            <pc:docMk/>
+            <pc:sldMk cId="2436844951" sldId="263"/>
+            <ac:spMk id="15" creationId="{4DE9E1B7-5B2E-48DB-8698-BB14D000CC3A}"/>
+          </ac:spMkLst>
+        </pc:spChg>
+        <pc:spChg chg="mod">
+          <ac:chgData name="Marcia Moraes" userId="c9c67e8a-58e2-4733-9a1c-5d44fec4775b" providerId="ADAL" clId="{59ADEE7F-1007-466A-AF25-BDC189F1435A}" dt="2021-11-12T19:59:09.448" v="938" actId="1076"/>
+          <ac:spMkLst>
+            <pc:docMk/>
+            <pc:sldMk cId="2436844951" sldId="263"/>
+            <ac:spMk id="18" creationId="{EFA9229F-6343-479F-B2AC-EEECECABCD59}"/>
+          </ac:spMkLst>
+        </pc:spChg>
+        <pc:spChg chg="mod">
+          <ac:chgData name="Marcia Moraes" userId="c9c67e8a-58e2-4733-9a1c-5d44fec4775b" providerId="ADAL" clId="{59ADEE7F-1007-466A-AF25-BDC189F1435A}" dt="2021-11-12T19:59:23.985" v="939" actId="164"/>
+          <ac:spMkLst>
+            <pc:docMk/>
+            <pc:sldMk cId="2436844951" sldId="263"/>
+            <ac:spMk id="21" creationId="{7E2E6D36-BB32-497D-9F5F-231FA657E416}"/>
+          </ac:spMkLst>
+        </pc:spChg>
+        <pc:grpChg chg="add mod">
+          <ac:chgData name="Marcia Moraes" userId="c9c67e8a-58e2-4733-9a1c-5d44fec4775b" providerId="ADAL" clId="{59ADEE7F-1007-466A-AF25-BDC189F1435A}" dt="2021-11-12T19:59:23.985" v="939" actId="164"/>
+          <ac:grpSpMkLst>
+            <pc:docMk/>
+            <pc:sldMk cId="2436844951" sldId="263"/>
+            <ac:grpSpMk id="3" creationId="{AA9849B9-8FBB-4ECF-9A86-877FE9297356}"/>
+          </ac:grpSpMkLst>
+        </pc:grpChg>
+        <pc:grpChg chg="del mod">
+          <ac:chgData name="Marcia Moraes" userId="c9c67e8a-58e2-4733-9a1c-5d44fec4775b" providerId="ADAL" clId="{59ADEE7F-1007-466A-AF25-BDC189F1435A}" dt="2021-11-12T19:56:31.844" v="762" actId="165"/>
+          <ac:grpSpMkLst>
+            <pc:docMk/>
+            <pc:sldMk cId="2436844951" sldId="263"/>
+            <ac:grpSpMk id="11" creationId="{139B2CF1-A53A-4800-B5DC-C20B1B9FCB47}"/>
+          </ac:grpSpMkLst>
+        </pc:grpChg>
+        <pc:grpChg chg="add mod">
+          <ac:chgData name="Marcia Moraes" userId="c9c67e8a-58e2-4733-9a1c-5d44fec4775b" providerId="ADAL" clId="{59ADEE7F-1007-466A-AF25-BDC189F1435A}" dt="2021-11-12T19:59:23.985" v="939" actId="164"/>
+          <ac:grpSpMkLst>
+            <pc:docMk/>
+            <pc:sldMk cId="2436844951" sldId="263"/>
+            <ac:grpSpMk id="16" creationId="{4C5FB7FF-BAFB-4D54-9981-06A67064EA38}"/>
+          </ac:grpSpMkLst>
+        </pc:grpChg>
+        <pc:grpChg chg="mod">
+          <ac:chgData name="Marcia Moraes" userId="c9c67e8a-58e2-4733-9a1c-5d44fec4775b" providerId="ADAL" clId="{59ADEE7F-1007-466A-AF25-BDC189F1435A}" dt="2021-11-12T19:59:23.985" v="939" actId="164"/>
+          <ac:grpSpMkLst>
+            <pc:docMk/>
+            <pc:sldMk cId="2436844951" sldId="263"/>
+            <ac:grpSpMk id="17" creationId="{FE06C3B8-9BB0-41C2-A480-4BEEFB612331}"/>
+          </ac:grpSpMkLst>
+        </pc:grpChg>
+        <pc:cxnChg chg="add mod">
+          <ac:chgData name="Marcia Moraes" userId="c9c67e8a-58e2-4733-9a1c-5d44fec4775b" providerId="ADAL" clId="{59ADEE7F-1007-466A-AF25-BDC189F1435A}" dt="2021-11-12T19:59:23.985" v="939" actId="164"/>
+          <ac:cxnSpMkLst>
+            <pc:docMk/>
+            <pc:sldMk cId="2436844951" sldId="263"/>
+            <ac:cxnSpMk id="6" creationId="{F39C838C-3152-46AC-A09D-119445C51C0B}"/>
+          </ac:cxnSpMkLst>
+        </pc:cxnChg>
+        <pc:cxnChg chg="del">
+          <ac:chgData name="Marcia Moraes" userId="c9c67e8a-58e2-4733-9a1c-5d44fec4775b" providerId="ADAL" clId="{59ADEE7F-1007-466A-AF25-BDC189F1435A}" dt="2021-11-12T19:55:36.629" v="733" actId="478"/>
+          <ac:cxnSpMkLst>
+            <pc:docMk/>
+            <pc:sldMk cId="2436844951" sldId="263"/>
+            <ac:cxnSpMk id="9" creationId="{8E0FDDAE-15E2-4928-A052-96AB64471F0B}"/>
+          </ac:cxnSpMkLst>
+        </pc:cxnChg>
+        <pc:cxnChg chg="mod topLvl">
+          <ac:chgData name="Marcia Moraes" userId="c9c67e8a-58e2-4733-9a1c-5d44fec4775b" providerId="ADAL" clId="{59ADEE7F-1007-466A-AF25-BDC189F1435A}" dt="2021-11-12T19:56:43.639" v="765" actId="164"/>
+          <ac:cxnSpMkLst>
+            <pc:docMk/>
+            <pc:sldMk cId="2436844951" sldId="263"/>
+            <ac:cxnSpMk id="14" creationId="{BCE183C0-FCF0-4AA0-A098-4AC367E67DD3}"/>
+          </ac:cxnSpMkLst>
+        </pc:cxnChg>
+        <pc:cxnChg chg="del">
+          <ac:chgData name="Marcia Moraes" userId="c9c67e8a-58e2-4733-9a1c-5d44fec4775b" providerId="ADAL" clId="{59ADEE7F-1007-466A-AF25-BDC189F1435A}" dt="2021-11-12T19:55:42.808" v="737" actId="478"/>
+          <ac:cxnSpMkLst>
+            <pc:docMk/>
+            <pc:sldMk cId="2436844951" sldId="263"/>
+            <ac:cxnSpMk id="23" creationId="{D892288A-47F8-4760-B9C1-86694888D556}"/>
+          </ac:cxnSpMkLst>
+        </pc:cxnChg>
+        <pc:cxnChg chg="del">
+          <ac:chgData name="Marcia Moraes" userId="c9c67e8a-58e2-4733-9a1c-5d44fec4775b" providerId="ADAL" clId="{59ADEE7F-1007-466A-AF25-BDC189F1435A}" dt="2021-11-12T19:55:40.884" v="736" actId="478"/>
+          <ac:cxnSpMkLst>
+            <pc:docMk/>
+            <pc:sldMk cId="2436844951" sldId="263"/>
+            <ac:cxnSpMk id="25" creationId="{EE5667D8-6A3E-4CFF-9D39-58806EE764C3}"/>
+          </ac:cxnSpMkLst>
+        </pc:cxnChg>
+      </pc:sldChg>
+    </pc:docChg>
+  </pc:docChgLst>
+</pc:chgInfo>
+</file>
+
 <file path=ppt/handoutMasters/handoutMaster1.xml><?xml version="1.0" encoding="utf-8"?>
 <p:handoutMaster xmlns:a="http://schemas.openxmlformats.org/drawingml/2006/main" xmlns:r="http://schemas.openxmlformats.org/officeDocument/2006/relationships" xmlns:p="http://schemas.openxmlformats.org/presentationml/2006/main">
   <p:cSld>
@@ -219,7 +529,7 @@
           <a:p>
             <a:fld id="{4D7E51A5-B478-1E40-8CBB-0DAA8831E99D}" type="datetimeFigureOut">
               <a:rPr lang="en-US" smtClean="0"/>
-              <a:t>4/23/20</a:t>
+              <a:t>11/12/2021</a:t>
             </a:fld>
             <a:endParaRPr lang="en-US"/>
           </a:p>
@@ -384,7 +694,7 @@
           <a:p>
             <a:fld id="{D0ED587F-861E-6740-9643-E3DDAE89B8D6}" type="datetimeFigureOut">
               <a:rPr lang="en-US" smtClean="0"/>
-              <a:t>4/23/20</a:t>
+              <a:t>11/12/2021</a:t>
             </a:fld>
             <a:endParaRPr lang="en-US"/>
           </a:p>
@@ -8624,7 +8934,7 @@
             </a:solidFill>
             <a:extLst>
               <a:ext uri="{C807C97D-BFC1-408E-A445-0C87EB9F89A2}">
-                <ask:lineSketchStyleProps xmlns:ask="http://schemas.microsoft.com/office/drawing/2018/sketchyshapes" sd="1219033472">
+                <ask:lineSketchStyleProps xmlns:ask="http://schemas.microsoft.com/office/drawing/2018/sketchyshapes" xmlns="" sd="1219033472">
                   <a:prstGeom prst="donut">
                     <a:avLst>
                       <a:gd name="adj" fmla="val 11469"/>
@@ -9079,6 +9389,1102 @@
           <a:p>
             <a:r>
               <a:rPr lang="en-US" dirty="0"/>
+              <a:t>Abstract Class Practice</a:t>
+            </a:r>
+          </a:p>
+        </p:txBody>
+      </p:sp>
+      <p:sp>
+        <p:nvSpPr>
+          <p:cNvPr id="5" name="Text Placeholder 4">
+            <a:extLst>
+              <a:ext uri="{FF2B5EF4-FFF2-40B4-BE49-F238E27FC236}">
+                <a16:creationId xmlns:a16="http://schemas.microsoft.com/office/drawing/2014/main" id="{0A6AD85F-6D71-420D-9CF4-AFEA9B4374F9}"/>
+              </a:ext>
+            </a:extLst>
+          </p:cNvPr>
+          <p:cNvSpPr>
+            <a:spLocks noGrp="1"/>
+          </p:cNvSpPr>
+          <p:nvPr>
+            <p:ph type="body" sz="quarter" idx="10"/>
+          </p:nvPr>
+        </p:nvSpPr>
+        <p:spPr>
+          <a:xfrm>
+            <a:off x="447322" y="1515426"/>
+            <a:ext cx="7112427" cy="1300099"/>
+          </a:xfrm>
+        </p:spPr>
+        <p:txBody>
+          <a:bodyPr/>
+          <a:lstStyle/>
+          <a:p>
+            <a:r>
+              <a:rPr lang="en-US" dirty="0"/>
+              <a:t>Considering that we can only have </a:t>
+            </a:r>
+            <a:r>
+              <a:rPr lang="en-US" dirty="0" err="1"/>
+              <a:t>FullTimeTeachers</a:t>
+            </a:r>
+            <a:r>
+              <a:rPr lang="en-US" dirty="0"/>
+              <a:t> and </a:t>
+            </a:r>
+            <a:r>
+              <a:rPr lang="en-US" dirty="0" err="1"/>
+              <a:t>PartTimeTeachers</a:t>
+            </a:r>
+            <a:r>
+              <a:rPr lang="en-US" dirty="0"/>
+              <a:t> implement Teacher as an abstract class.</a:t>
+            </a:r>
+          </a:p>
+          <a:p>
+            <a:r>
+              <a:rPr lang="en-US" dirty="0"/>
+              <a:t>Is there any abstract methods in Teacher?</a:t>
+            </a:r>
+          </a:p>
+        </p:txBody>
+      </p:sp>
+      <p:sp>
+        <p:nvSpPr>
+          <p:cNvPr id="7" name="TextBox 6">
+            <a:extLst>
+              <a:ext uri="{FF2B5EF4-FFF2-40B4-BE49-F238E27FC236}">
+                <a16:creationId xmlns:a16="http://schemas.microsoft.com/office/drawing/2014/main" id="{1D150D54-13A7-4CDA-A704-BEA95F0CFE12}"/>
+              </a:ext>
+            </a:extLst>
+          </p:cNvPr>
+          <p:cNvSpPr txBox="1"/>
+          <p:nvPr/>
+        </p:nvSpPr>
+        <p:spPr>
+          <a:xfrm>
+            <a:off x="8542227" y="77264"/>
+            <a:ext cx="2669962" cy="400110"/>
+          </a:xfrm>
+          <a:prstGeom prst="rect">
+            <a:avLst/>
+          </a:prstGeom>
+          <a:noFill/>
+        </p:spPr>
+        <p:txBody>
+          <a:bodyPr wrap="none" rtlCol="0">
+            <a:spAutoFit/>
+          </a:bodyPr>
+          <a:lstStyle/>
+          <a:p>
+            <a:r>
+              <a:rPr lang="en-US" dirty="0"/>
+              <a:t>&lt;&lt;abstract&gt;&gt; Teacher</a:t>
+            </a:r>
+          </a:p>
+        </p:txBody>
+      </p:sp>
+      <p:sp>
+        <p:nvSpPr>
+          <p:cNvPr id="8" name="Rectangle 7">
+            <a:extLst>
+              <a:ext uri="{FF2B5EF4-FFF2-40B4-BE49-F238E27FC236}">
+                <a16:creationId xmlns:a16="http://schemas.microsoft.com/office/drawing/2014/main" id="{8C95A315-5E35-4311-AEB1-28216D8E490E}"/>
+              </a:ext>
+            </a:extLst>
+          </p:cNvPr>
+          <p:cNvSpPr/>
+          <p:nvPr/>
+        </p:nvSpPr>
+        <p:spPr>
+          <a:xfrm>
+            <a:off x="8197701" y="-18428"/>
+            <a:ext cx="4805918" cy="4054718"/>
+          </a:xfrm>
+          <a:prstGeom prst="rect">
+            <a:avLst/>
+          </a:prstGeom>
+          <a:noFill/>
+          <a:ln>
+            <a:solidFill>
+              <a:schemeClr val="tx1"/>
+            </a:solidFill>
+          </a:ln>
+          <a:effectLst/>
+        </p:spPr>
+        <p:style>
+          <a:lnRef idx="1">
+            <a:schemeClr val="accent1"/>
+          </a:lnRef>
+          <a:fillRef idx="3">
+            <a:schemeClr val="accent1"/>
+          </a:fillRef>
+          <a:effectRef idx="2">
+            <a:schemeClr val="accent1"/>
+          </a:effectRef>
+          <a:fontRef idx="minor">
+            <a:schemeClr val="lt1"/>
+          </a:fontRef>
+        </p:style>
+        <p:txBody>
+          <a:bodyPr lIns="274320" tIns="182880" rIns="274320" bIns="182880" rtlCol="0" anchor="ctr"/>
+          <a:lstStyle/>
+          <a:p>
+            <a:pPr algn="ctr"/>
+            <a:endParaRPr lang="en-US" dirty="0">
+              <a:latin typeface="Proxima Nova" charset="0"/>
+              <a:ea typeface="Proxima Nova" charset="0"/>
+              <a:cs typeface="Proxima Nova" charset="0"/>
+            </a:endParaRPr>
+          </a:p>
+        </p:txBody>
+      </p:sp>
+      <p:cxnSp>
+        <p:nvCxnSpPr>
+          <p:cNvPr id="9" name="Straight Connector 8">
+            <a:extLst>
+              <a:ext uri="{FF2B5EF4-FFF2-40B4-BE49-F238E27FC236}">
+                <a16:creationId xmlns:a16="http://schemas.microsoft.com/office/drawing/2014/main" id="{8E0FDDAE-15E2-4928-A052-96AB64471F0B}"/>
+              </a:ext>
+            </a:extLst>
+          </p:cNvPr>
+          <p:cNvCxnSpPr>
+            <a:cxnSpLocks/>
+          </p:cNvCxnSpPr>
+          <p:nvPr/>
+        </p:nvCxnSpPr>
+        <p:spPr>
+          <a:xfrm>
+            <a:off x="8197703" y="584057"/>
+            <a:ext cx="4805916" cy="0"/>
+          </a:xfrm>
+          <a:prstGeom prst="line">
+            <a:avLst/>
+          </a:prstGeom>
+          <a:ln>
+            <a:solidFill>
+              <a:schemeClr val="tx1"/>
+            </a:solidFill>
+          </a:ln>
+        </p:spPr>
+        <p:style>
+          <a:lnRef idx="2">
+            <a:schemeClr val="accent1"/>
+          </a:lnRef>
+          <a:fillRef idx="0">
+            <a:schemeClr val="accent1"/>
+          </a:fillRef>
+          <a:effectRef idx="1">
+            <a:schemeClr val="accent1"/>
+          </a:effectRef>
+          <a:fontRef idx="minor">
+            <a:schemeClr val="tx1"/>
+          </a:fontRef>
+        </p:style>
+      </p:cxnSp>
+      <p:sp>
+        <p:nvSpPr>
+          <p:cNvPr id="10" name="TextBox 9">
+            <a:extLst>
+              <a:ext uri="{FF2B5EF4-FFF2-40B4-BE49-F238E27FC236}">
+                <a16:creationId xmlns:a16="http://schemas.microsoft.com/office/drawing/2014/main" id="{783ADDED-1481-4660-A8D6-11DC6BCDB5CF}"/>
+              </a:ext>
+            </a:extLst>
+          </p:cNvPr>
+          <p:cNvSpPr txBox="1"/>
+          <p:nvPr/>
+        </p:nvSpPr>
+        <p:spPr>
+          <a:xfrm>
+            <a:off x="8412696" y="599113"/>
+            <a:ext cx="4957581" cy="3785652"/>
+          </a:xfrm>
+          <a:prstGeom prst="rect">
+            <a:avLst/>
+          </a:prstGeom>
+          <a:noFill/>
+        </p:spPr>
+        <p:txBody>
+          <a:bodyPr wrap="square" rtlCol="0">
+            <a:spAutoFit/>
+          </a:bodyPr>
+          <a:lstStyle/>
+          <a:p>
+            <a:r>
+              <a:rPr lang="en-US" dirty="0"/>
+              <a:t>- </a:t>
+            </a:r>
+            <a:r>
+              <a:rPr lang="en-US" dirty="0" err="1"/>
+              <a:t>id:int</a:t>
+            </a:r>
+            <a:endParaRPr lang="en-US" dirty="0"/>
+          </a:p>
+          <a:p>
+            <a:r>
+              <a:rPr lang="en-US" dirty="0"/>
+              <a:t>-</a:t>
+            </a:r>
+            <a:r>
+              <a:rPr lang="en-US" dirty="0" err="1"/>
+              <a:t>subject:String</a:t>
+            </a:r>
+            <a:endParaRPr lang="en-US" dirty="0"/>
+          </a:p>
+          <a:p>
+            <a:r>
+              <a:rPr lang="en-US" dirty="0"/>
+              <a:t>-</a:t>
+            </a:r>
+            <a:r>
+              <a:rPr lang="en-US" dirty="0" err="1"/>
+              <a:t>totalHoursWeek</a:t>
+            </a:r>
+            <a:r>
+              <a:rPr lang="en-US" dirty="0"/>
+              <a:t>: int</a:t>
+            </a:r>
+          </a:p>
+          <a:p>
+            <a:r>
+              <a:rPr lang="en-US" dirty="0"/>
+              <a:t>+Teacher()</a:t>
+            </a:r>
+          </a:p>
+          <a:p>
+            <a:r>
+              <a:rPr lang="en-US" dirty="0"/>
+              <a:t>+Teacher(</a:t>
+            </a:r>
+            <a:r>
+              <a:rPr lang="en-US" dirty="0" err="1"/>
+              <a:t>subject:String</a:t>
+            </a:r>
+            <a:r>
+              <a:rPr lang="en-US" dirty="0"/>
+              <a:t>, </a:t>
+            </a:r>
+            <a:r>
+              <a:rPr lang="en-US" dirty="0" err="1"/>
+              <a:t>hours:double</a:t>
+            </a:r>
+            <a:r>
+              <a:rPr lang="en-US" dirty="0"/>
+              <a:t>)</a:t>
+            </a:r>
+          </a:p>
+          <a:p>
+            <a:r>
+              <a:rPr lang="en-US" dirty="0"/>
+              <a:t>+</a:t>
+            </a:r>
+            <a:r>
+              <a:rPr lang="en-US" dirty="0" err="1"/>
+              <a:t>getSubject</a:t>
+            </a:r>
+            <a:r>
+              <a:rPr lang="en-US" dirty="0"/>
+              <a:t>(): String</a:t>
+            </a:r>
+          </a:p>
+          <a:p>
+            <a:r>
+              <a:rPr lang="en-US" dirty="0"/>
+              <a:t>+</a:t>
+            </a:r>
+            <a:r>
+              <a:rPr lang="en-US" dirty="0" err="1"/>
+              <a:t>setSubject</a:t>
+            </a:r>
+            <a:r>
+              <a:rPr lang="en-US" dirty="0"/>
+              <a:t>(subject: String)</a:t>
+            </a:r>
+          </a:p>
+          <a:p>
+            <a:r>
+              <a:rPr lang="en-US" dirty="0"/>
+              <a:t>+</a:t>
+            </a:r>
+            <a:r>
+              <a:rPr lang="en-US" dirty="0" err="1"/>
+              <a:t>getId</a:t>
+            </a:r>
+            <a:r>
+              <a:rPr lang="en-US" dirty="0"/>
+              <a:t>(): int</a:t>
+            </a:r>
+          </a:p>
+          <a:p>
+            <a:r>
+              <a:rPr lang="en-US" dirty="0"/>
+              <a:t>+</a:t>
+            </a:r>
+            <a:r>
+              <a:rPr lang="en-US" dirty="0" err="1"/>
+              <a:t>getTotalHoursWeek</a:t>
+            </a:r>
+            <a:r>
+              <a:rPr lang="en-US" dirty="0"/>
+              <a:t>():int</a:t>
+            </a:r>
+          </a:p>
+          <a:p>
+            <a:r>
+              <a:rPr lang="en-US" dirty="0"/>
+              <a:t>+</a:t>
+            </a:r>
+            <a:r>
+              <a:rPr lang="en-US" dirty="0" err="1"/>
+              <a:t>getSalary</a:t>
+            </a:r>
+            <a:r>
+              <a:rPr lang="en-US" dirty="0"/>
+              <a:t>(): double</a:t>
+            </a:r>
+          </a:p>
+          <a:p>
+            <a:r>
+              <a:rPr lang="en-US" dirty="0"/>
+              <a:t>+</a:t>
+            </a:r>
+            <a:r>
+              <a:rPr lang="en-US" dirty="0" err="1"/>
+              <a:t>toString</a:t>
+            </a:r>
+            <a:r>
+              <a:rPr lang="en-US" dirty="0"/>
+              <a:t>():String</a:t>
+            </a:r>
+          </a:p>
+          <a:p>
+            <a:endParaRPr lang="en-US" dirty="0"/>
+          </a:p>
+        </p:txBody>
+      </p:sp>
+      <p:grpSp>
+        <p:nvGrpSpPr>
+          <p:cNvPr id="11" name="Group 10">
+            <a:extLst>
+              <a:ext uri="{FF2B5EF4-FFF2-40B4-BE49-F238E27FC236}">
+                <a16:creationId xmlns:a16="http://schemas.microsoft.com/office/drawing/2014/main" id="{139B2CF1-A53A-4800-B5DC-C20B1B9FCB47}"/>
+              </a:ext>
+            </a:extLst>
+          </p:cNvPr>
+          <p:cNvGrpSpPr/>
+          <p:nvPr/>
+        </p:nvGrpSpPr>
+        <p:grpSpPr>
+          <a:xfrm>
+            <a:off x="5086667" y="4241423"/>
+            <a:ext cx="4201471" cy="3189602"/>
+            <a:chOff x="9248714" y="4049072"/>
+            <a:chExt cx="4201471" cy="3189602"/>
+          </a:xfrm>
+        </p:grpSpPr>
+        <p:sp>
+          <p:nvSpPr>
+            <p:cNvPr id="12" name="TextBox 11">
+              <a:extLst>
+                <a:ext uri="{FF2B5EF4-FFF2-40B4-BE49-F238E27FC236}">
+                  <a16:creationId xmlns:a16="http://schemas.microsoft.com/office/drawing/2014/main" id="{ED58F786-1812-422E-B987-C775EB766395}"/>
+                </a:ext>
+              </a:extLst>
+            </p:cNvPr>
+            <p:cNvSpPr txBox="1"/>
+            <p:nvPr/>
+          </p:nvSpPr>
+          <p:spPr>
+            <a:xfrm>
+              <a:off x="10285967" y="4193560"/>
+              <a:ext cx="2073581" cy="400110"/>
+            </a:xfrm>
+            <a:prstGeom prst="rect">
+              <a:avLst/>
+            </a:prstGeom>
+            <a:noFill/>
+          </p:spPr>
+          <p:txBody>
+            <a:bodyPr wrap="none" rtlCol="0">
+              <a:spAutoFit/>
+            </a:bodyPr>
+            <a:lstStyle/>
+            <a:p>
+              <a:r>
+                <a:rPr lang="en-US" dirty="0" err="1"/>
+                <a:t>FullTimeTeacher</a:t>
+              </a:r>
+              <a:endParaRPr lang="en-US" dirty="0"/>
+            </a:p>
+          </p:txBody>
+        </p:sp>
+        <p:sp>
+          <p:nvSpPr>
+            <p:cNvPr id="13" name="Rectangle 12">
+              <a:extLst>
+                <a:ext uri="{FF2B5EF4-FFF2-40B4-BE49-F238E27FC236}">
+                  <a16:creationId xmlns:a16="http://schemas.microsoft.com/office/drawing/2014/main" id="{FD15437E-50F2-4BB0-A7FD-E143BD858646}"/>
+                </a:ext>
+              </a:extLst>
+            </p:cNvPr>
+            <p:cNvSpPr/>
+            <p:nvPr/>
+          </p:nvSpPr>
+          <p:spPr>
+            <a:xfrm>
+              <a:off x="9248716" y="4049072"/>
+              <a:ext cx="4201469" cy="3189602"/>
+            </a:xfrm>
+            <a:prstGeom prst="rect">
+              <a:avLst/>
+            </a:prstGeom>
+            <a:noFill/>
+            <a:ln>
+              <a:solidFill>
+                <a:schemeClr val="tx1"/>
+              </a:solidFill>
+            </a:ln>
+            <a:effectLst/>
+          </p:spPr>
+          <p:style>
+            <a:lnRef idx="1">
+              <a:schemeClr val="accent1"/>
+            </a:lnRef>
+            <a:fillRef idx="3">
+              <a:schemeClr val="accent1"/>
+            </a:fillRef>
+            <a:effectRef idx="2">
+              <a:schemeClr val="accent1"/>
+            </a:effectRef>
+            <a:fontRef idx="minor">
+              <a:schemeClr val="lt1"/>
+            </a:fontRef>
+          </p:style>
+          <p:txBody>
+            <a:bodyPr lIns="274320" tIns="182880" rIns="274320" bIns="182880" rtlCol="0" anchor="ctr"/>
+            <a:lstStyle/>
+            <a:p>
+              <a:pPr algn="ctr"/>
+              <a:endParaRPr lang="en-US" dirty="0">
+                <a:latin typeface="Proxima Nova" charset="0"/>
+                <a:ea typeface="Proxima Nova" charset="0"/>
+                <a:cs typeface="Proxima Nova" charset="0"/>
+              </a:endParaRPr>
+            </a:p>
+          </p:txBody>
+        </p:sp>
+        <p:cxnSp>
+          <p:nvCxnSpPr>
+            <p:cNvPr id="14" name="Straight Connector 13">
+              <a:extLst>
+                <a:ext uri="{FF2B5EF4-FFF2-40B4-BE49-F238E27FC236}">
+                  <a16:creationId xmlns:a16="http://schemas.microsoft.com/office/drawing/2014/main" id="{BCE183C0-FCF0-4AA0-A098-4AC367E67DD3}"/>
+                </a:ext>
+              </a:extLst>
+            </p:cNvPr>
+            <p:cNvCxnSpPr>
+              <a:cxnSpLocks/>
+            </p:cNvCxnSpPr>
+            <p:nvPr/>
+          </p:nvCxnSpPr>
+          <p:spPr>
+            <a:xfrm>
+              <a:off x="9248714" y="4717809"/>
+              <a:ext cx="4201471" cy="0"/>
+            </a:xfrm>
+            <a:prstGeom prst="line">
+              <a:avLst/>
+            </a:prstGeom>
+            <a:ln>
+              <a:solidFill>
+                <a:schemeClr val="tx1"/>
+              </a:solidFill>
+            </a:ln>
+          </p:spPr>
+          <p:style>
+            <a:lnRef idx="2">
+              <a:schemeClr val="accent1"/>
+            </a:lnRef>
+            <a:fillRef idx="0">
+              <a:schemeClr val="accent1"/>
+            </a:fillRef>
+            <a:effectRef idx="1">
+              <a:schemeClr val="accent1"/>
+            </a:effectRef>
+            <a:fontRef idx="minor">
+              <a:schemeClr val="tx1"/>
+            </a:fontRef>
+          </p:style>
+        </p:cxnSp>
+      </p:grpSp>
+      <p:sp>
+        <p:nvSpPr>
+          <p:cNvPr id="15" name="TextBox 14">
+            <a:extLst>
+              <a:ext uri="{FF2B5EF4-FFF2-40B4-BE49-F238E27FC236}">
+                <a16:creationId xmlns:a16="http://schemas.microsoft.com/office/drawing/2014/main" id="{4DE9E1B7-5B2E-48DB-8698-BB14D000CC3A}"/>
+              </a:ext>
+            </a:extLst>
+          </p:cNvPr>
+          <p:cNvSpPr txBox="1"/>
+          <p:nvPr/>
+        </p:nvSpPr>
+        <p:spPr>
+          <a:xfrm>
+            <a:off x="5247915" y="4938549"/>
+            <a:ext cx="4093972" cy="2554545"/>
+          </a:xfrm>
+          <a:prstGeom prst="rect">
+            <a:avLst/>
+          </a:prstGeom>
+          <a:noFill/>
+        </p:spPr>
+        <p:txBody>
+          <a:bodyPr wrap="square" rtlCol="0">
+            <a:spAutoFit/>
+          </a:bodyPr>
+          <a:lstStyle/>
+          <a:p>
+            <a:r>
+              <a:rPr lang="en-US" dirty="0"/>
+              <a:t>-salary: double</a:t>
+            </a:r>
+          </a:p>
+          <a:p>
+            <a:r>
+              <a:rPr lang="en-US" dirty="0"/>
+              <a:t>+</a:t>
+            </a:r>
+            <a:r>
+              <a:rPr lang="en-US" dirty="0" err="1"/>
+              <a:t>FullTimeTeacher</a:t>
+            </a:r>
+            <a:r>
+              <a:rPr lang="en-US" dirty="0"/>
+              <a:t>()</a:t>
+            </a:r>
+          </a:p>
+          <a:p>
+            <a:r>
+              <a:rPr lang="en-US" dirty="0"/>
+              <a:t>+</a:t>
+            </a:r>
+            <a:r>
+              <a:rPr lang="en-US" dirty="0" err="1"/>
+              <a:t>FullTimeTeacher</a:t>
+            </a:r>
+            <a:r>
+              <a:rPr lang="en-US" dirty="0"/>
+              <a:t>(</a:t>
+            </a:r>
+            <a:r>
+              <a:rPr lang="en-US" dirty="0" err="1"/>
+              <a:t>subject:String</a:t>
+            </a:r>
+            <a:r>
+              <a:rPr lang="en-US" dirty="0"/>
+              <a:t>, hours: double, </a:t>
+            </a:r>
+            <a:r>
+              <a:rPr lang="en-US" dirty="0" err="1"/>
+              <a:t>salary:double</a:t>
+            </a:r>
+            <a:r>
+              <a:rPr lang="en-US" dirty="0"/>
+              <a:t>)</a:t>
+            </a:r>
+          </a:p>
+          <a:p>
+            <a:r>
+              <a:rPr lang="en-US" dirty="0"/>
+              <a:t>+</a:t>
+            </a:r>
+            <a:r>
+              <a:rPr lang="en-US" dirty="0" err="1"/>
+              <a:t>getSalary</a:t>
+            </a:r>
+            <a:r>
+              <a:rPr lang="en-US" dirty="0"/>
+              <a:t>(): double</a:t>
+            </a:r>
+          </a:p>
+          <a:p>
+            <a:r>
+              <a:rPr lang="en-US" dirty="0"/>
+              <a:t>+</a:t>
+            </a:r>
+            <a:r>
+              <a:rPr lang="en-US" dirty="0" err="1"/>
+              <a:t>setSalary</a:t>
+            </a:r>
+            <a:r>
+              <a:rPr lang="en-US" dirty="0"/>
+              <a:t>(salary: double)</a:t>
+            </a:r>
+          </a:p>
+          <a:p>
+            <a:r>
+              <a:rPr lang="en-US" dirty="0"/>
+              <a:t>+</a:t>
+            </a:r>
+            <a:r>
+              <a:rPr lang="en-US" dirty="0" err="1"/>
+              <a:t>toString</a:t>
+            </a:r>
+            <a:r>
+              <a:rPr lang="en-US" dirty="0"/>
+              <a:t>():String</a:t>
+            </a:r>
+          </a:p>
+          <a:p>
+            <a:endParaRPr lang="en-US" dirty="0"/>
+          </a:p>
+        </p:txBody>
+      </p:sp>
+      <p:grpSp>
+        <p:nvGrpSpPr>
+          <p:cNvPr id="17" name="Group 16">
+            <a:extLst>
+              <a:ext uri="{FF2B5EF4-FFF2-40B4-BE49-F238E27FC236}">
+                <a16:creationId xmlns:a16="http://schemas.microsoft.com/office/drawing/2014/main" id="{FE06C3B8-9BB0-41C2-A480-4BEEFB612331}"/>
+              </a:ext>
+            </a:extLst>
+          </p:cNvPr>
+          <p:cNvGrpSpPr/>
+          <p:nvPr/>
+        </p:nvGrpSpPr>
+        <p:grpSpPr>
+          <a:xfrm>
+            <a:off x="9395635" y="4224362"/>
+            <a:ext cx="4201471" cy="3189602"/>
+            <a:chOff x="9248714" y="4049072"/>
+            <a:chExt cx="4201471" cy="3189602"/>
+          </a:xfrm>
+        </p:grpSpPr>
+        <p:sp>
+          <p:nvSpPr>
+            <p:cNvPr id="18" name="TextBox 17">
+              <a:extLst>
+                <a:ext uri="{FF2B5EF4-FFF2-40B4-BE49-F238E27FC236}">
+                  <a16:creationId xmlns:a16="http://schemas.microsoft.com/office/drawing/2014/main" id="{EFA9229F-6343-479F-B2AC-EEECECABCD59}"/>
+                </a:ext>
+              </a:extLst>
+            </p:cNvPr>
+            <p:cNvSpPr txBox="1"/>
+            <p:nvPr/>
+          </p:nvSpPr>
+          <p:spPr>
+            <a:xfrm>
+              <a:off x="10285967" y="4193560"/>
+              <a:ext cx="2128083" cy="400110"/>
+            </a:xfrm>
+            <a:prstGeom prst="rect">
+              <a:avLst/>
+            </a:prstGeom>
+            <a:noFill/>
+          </p:spPr>
+          <p:txBody>
+            <a:bodyPr wrap="none" rtlCol="0">
+              <a:spAutoFit/>
+            </a:bodyPr>
+            <a:lstStyle/>
+            <a:p>
+              <a:r>
+                <a:rPr lang="en-US" dirty="0" err="1"/>
+                <a:t>PartTimeTeacher</a:t>
+              </a:r>
+              <a:endParaRPr lang="en-US" dirty="0"/>
+            </a:p>
+          </p:txBody>
+        </p:sp>
+        <p:sp>
+          <p:nvSpPr>
+            <p:cNvPr id="19" name="Rectangle 18">
+              <a:extLst>
+                <a:ext uri="{FF2B5EF4-FFF2-40B4-BE49-F238E27FC236}">
+                  <a16:creationId xmlns:a16="http://schemas.microsoft.com/office/drawing/2014/main" id="{4E269A84-14CA-4DEE-8CCC-A22B0F8F3B93}"/>
+                </a:ext>
+              </a:extLst>
+            </p:cNvPr>
+            <p:cNvSpPr/>
+            <p:nvPr/>
+          </p:nvSpPr>
+          <p:spPr>
+            <a:xfrm>
+              <a:off x="9248716" y="4049072"/>
+              <a:ext cx="4201469" cy="3189602"/>
+            </a:xfrm>
+            <a:prstGeom prst="rect">
+              <a:avLst/>
+            </a:prstGeom>
+            <a:noFill/>
+            <a:ln>
+              <a:solidFill>
+                <a:schemeClr val="tx1"/>
+              </a:solidFill>
+            </a:ln>
+            <a:effectLst/>
+          </p:spPr>
+          <p:style>
+            <a:lnRef idx="1">
+              <a:schemeClr val="accent1"/>
+            </a:lnRef>
+            <a:fillRef idx="3">
+              <a:schemeClr val="accent1"/>
+            </a:fillRef>
+            <a:effectRef idx="2">
+              <a:schemeClr val="accent1"/>
+            </a:effectRef>
+            <a:fontRef idx="minor">
+              <a:schemeClr val="lt1"/>
+            </a:fontRef>
+          </p:style>
+          <p:txBody>
+            <a:bodyPr lIns="274320" tIns="182880" rIns="274320" bIns="182880" rtlCol="0" anchor="ctr"/>
+            <a:lstStyle/>
+            <a:p>
+              <a:pPr algn="ctr"/>
+              <a:endParaRPr lang="en-US" dirty="0">
+                <a:latin typeface="Proxima Nova" charset="0"/>
+                <a:ea typeface="Proxima Nova" charset="0"/>
+                <a:cs typeface="Proxima Nova" charset="0"/>
+              </a:endParaRPr>
+            </a:p>
+          </p:txBody>
+        </p:sp>
+        <p:cxnSp>
+          <p:nvCxnSpPr>
+            <p:cNvPr id="20" name="Straight Connector 19">
+              <a:extLst>
+                <a:ext uri="{FF2B5EF4-FFF2-40B4-BE49-F238E27FC236}">
+                  <a16:creationId xmlns:a16="http://schemas.microsoft.com/office/drawing/2014/main" id="{0D0C0586-16F5-4E74-97CB-A717EED823E0}"/>
+                </a:ext>
+              </a:extLst>
+            </p:cNvPr>
+            <p:cNvCxnSpPr>
+              <a:cxnSpLocks/>
+            </p:cNvCxnSpPr>
+            <p:nvPr/>
+          </p:nvCxnSpPr>
+          <p:spPr>
+            <a:xfrm>
+              <a:off x="9248714" y="4717809"/>
+              <a:ext cx="4201471" cy="0"/>
+            </a:xfrm>
+            <a:prstGeom prst="line">
+              <a:avLst/>
+            </a:prstGeom>
+            <a:ln>
+              <a:solidFill>
+                <a:schemeClr val="tx1"/>
+              </a:solidFill>
+            </a:ln>
+          </p:spPr>
+          <p:style>
+            <a:lnRef idx="2">
+              <a:schemeClr val="accent1"/>
+            </a:lnRef>
+            <a:fillRef idx="0">
+              <a:schemeClr val="accent1"/>
+            </a:fillRef>
+            <a:effectRef idx="1">
+              <a:schemeClr val="accent1"/>
+            </a:effectRef>
+            <a:fontRef idx="minor">
+              <a:schemeClr val="tx1"/>
+            </a:fontRef>
+          </p:style>
+        </p:cxnSp>
+      </p:grpSp>
+      <p:sp>
+        <p:nvSpPr>
+          <p:cNvPr id="21" name="TextBox 20">
+            <a:extLst>
+              <a:ext uri="{FF2B5EF4-FFF2-40B4-BE49-F238E27FC236}">
+                <a16:creationId xmlns:a16="http://schemas.microsoft.com/office/drawing/2014/main" id="{7E2E6D36-BB32-497D-9F5F-231FA657E416}"/>
+              </a:ext>
+            </a:extLst>
+          </p:cNvPr>
+          <p:cNvSpPr txBox="1"/>
+          <p:nvPr/>
+        </p:nvSpPr>
+        <p:spPr>
+          <a:xfrm>
+            <a:off x="9503134" y="4885503"/>
+            <a:ext cx="4093972" cy="2862322"/>
+          </a:xfrm>
+          <a:prstGeom prst="rect">
+            <a:avLst/>
+          </a:prstGeom>
+          <a:noFill/>
+        </p:spPr>
+        <p:txBody>
+          <a:bodyPr wrap="square" rtlCol="0">
+            <a:spAutoFit/>
+          </a:bodyPr>
+          <a:lstStyle/>
+          <a:p>
+            <a:r>
+              <a:rPr lang="en-US" dirty="0"/>
+              <a:t>-</a:t>
+            </a:r>
+            <a:r>
+              <a:rPr lang="en-US" dirty="0" err="1"/>
+              <a:t>hourSalary</a:t>
+            </a:r>
+            <a:r>
+              <a:rPr lang="en-US" dirty="0"/>
+              <a:t>: double</a:t>
+            </a:r>
+          </a:p>
+          <a:p>
+            <a:r>
+              <a:rPr lang="en-US" dirty="0"/>
+              <a:t>+</a:t>
+            </a:r>
+            <a:r>
+              <a:rPr lang="en-US" dirty="0" err="1"/>
+              <a:t>PartTimeTeacher</a:t>
+            </a:r>
+            <a:r>
+              <a:rPr lang="en-US" dirty="0"/>
+              <a:t>()</a:t>
+            </a:r>
+          </a:p>
+          <a:p>
+            <a:r>
+              <a:rPr lang="en-US" dirty="0"/>
+              <a:t>+</a:t>
+            </a:r>
+            <a:r>
+              <a:rPr lang="en-US" dirty="0" err="1"/>
+              <a:t>PartTimeTeacher</a:t>
+            </a:r>
+            <a:r>
+              <a:rPr lang="en-US" dirty="0"/>
+              <a:t>(</a:t>
+            </a:r>
+            <a:r>
+              <a:rPr lang="en-US" dirty="0" err="1"/>
+              <a:t>subject:String</a:t>
+            </a:r>
+            <a:r>
+              <a:rPr lang="en-US" dirty="0"/>
+              <a:t>, hours: double, </a:t>
+            </a:r>
+            <a:r>
+              <a:rPr lang="en-US" dirty="0" err="1"/>
+              <a:t>hourSalary:double</a:t>
+            </a:r>
+            <a:r>
+              <a:rPr lang="en-US" dirty="0"/>
+              <a:t>)</a:t>
+            </a:r>
+          </a:p>
+          <a:p>
+            <a:r>
+              <a:rPr lang="en-US" dirty="0"/>
+              <a:t>+</a:t>
+            </a:r>
+            <a:r>
+              <a:rPr lang="en-US" dirty="0" err="1"/>
+              <a:t>getHourSalary</a:t>
+            </a:r>
+            <a:r>
+              <a:rPr lang="en-US" dirty="0"/>
+              <a:t>(): double</a:t>
+            </a:r>
+          </a:p>
+          <a:p>
+            <a:r>
+              <a:rPr lang="en-US" dirty="0"/>
+              <a:t>+</a:t>
+            </a:r>
+            <a:r>
+              <a:rPr lang="en-US" dirty="0" err="1"/>
+              <a:t>setHourSalary</a:t>
+            </a:r>
+            <a:r>
+              <a:rPr lang="en-US" dirty="0"/>
+              <a:t>(salary: double)</a:t>
+            </a:r>
+          </a:p>
+          <a:p>
+            <a:r>
+              <a:rPr lang="en-US" dirty="0"/>
+              <a:t>+</a:t>
+            </a:r>
+            <a:r>
+              <a:rPr lang="en-US" dirty="0" err="1"/>
+              <a:t>getSalary</a:t>
+            </a:r>
+            <a:r>
+              <a:rPr lang="en-US" dirty="0"/>
+              <a:t>(): double</a:t>
+            </a:r>
+          </a:p>
+          <a:p>
+            <a:r>
+              <a:rPr lang="en-US" dirty="0"/>
+              <a:t>+</a:t>
+            </a:r>
+            <a:r>
+              <a:rPr lang="en-US" dirty="0" err="1"/>
+              <a:t>toString</a:t>
+            </a:r>
+            <a:r>
+              <a:rPr lang="en-US" dirty="0"/>
+              <a:t>():String</a:t>
+            </a:r>
+          </a:p>
+          <a:p>
+            <a:endParaRPr lang="en-US" dirty="0"/>
+          </a:p>
+        </p:txBody>
+      </p:sp>
+      <p:cxnSp>
+        <p:nvCxnSpPr>
+          <p:cNvPr id="23" name="Straight Arrow Connector 22">
+            <a:extLst>
+              <a:ext uri="{FF2B5EF4-FFF2-40B4-BE49-F238E27FC236}">
+                <a16:creationId xmlns:a16="http://schemas.microsoft.com/office/drawing/2014/main" id="{D892288A-47F8-4760-B9C1-86694888D556}"/>
+              </a:ext>
+            </a:extLst>
+          </p:cNvPr>
+          <p:cNvCxnSpPr/>
+          <p:nvPr/>
+        </p:nvCxnSpPr>
+        <p:spPr>
+          <a:xfrm flipV="1">
+            <a:off x="8412698" y="4087994"/>
+            <a:ext cx="129529" cy="173778"/>
+          </a:xfrm>
+          <a:prstGeom prst="straightConnector1">
+            <a:avLst/>
+          </a:prstGeom>
+          <a:ln>
+            <a:tailEnd type="triangle"/>
+          </a:ln>
+        </p:spPr>
+        <p:style>
+          <a:lnRef idx="2">
+            <a:schemeClr val="dk1"/>
+          </a:lnRef>
+          <a:fillRef idx="0">
+            <a:schemeClr val="dk1"/>
+          </a:fillRef>
+          <a:effectRef idx="1">
+            <a:schemeClr val="dk1"/>
+          </a:effectRef>
+          <a:fontRef idx="minor">
+            <a:schemeClr val="tx1"/>
+          </a:fontRef>
+        </p:style>
+      </p:cxnSp>
+      <p:cxnSp>
+        <p:nvCxnSpPr>
+          <p:cNvPr id="25" name="Straight Arrow Connector 24">
+            <a:extLst>
+              <a:ext uri="{FF2B5EF4-FFF2-40B4-BE49-F238E27FC236}">
+                <a16:creationId xmlns:a16="http://schemas.microsoft.com/office/drawing/2014/main" id="{EE5667D8-6A3E-4CFF-9D39-58806EE764C3}"/>
+              </a:ext>
+            </a:extLst>
+          </p:cNvPr>
+          <p:cNvCxnSpPr/>
+          <p:nvPr/>
+        </p:nvCxnSpPr>
+        <p:spPr>
+          <a:xfrm flipH="1" flipV="1">
+            <a:off x="10696353" y="4036290"/>
+            <a:ext cx="180754" cy="188072"/>
+          </a:xfrm>
+          <a:prstGeom prst="straightConnector1">
+            <a:avLst/>
+          </a:prstGeom>
+          <a:ln>
+            <a:tailEnd type="triangle"/>
+          </a:ln>
+        </p:spPr>
+        <p:style>
+          <a:lnRef idx="2">
+            <a:schemeClr val="dk1"/>
+          </a:lnRef>
+          <a:fillRef idx="0">
+            <a:schemeClr val="dk1"/>
+          </a:fillRef>
+          <a:effectRef idx="1">
+            <a:schemeClr val="dk1"/>
+          </a:effectRef>
+          <a:fontRef idx="minor">
+            <a:schemeClr val="tx1"/>
+          </a:fontRef>
+        </p:style>
+      </p:cxnSp>
+    </p:spTree>
+    <p:extLst>
+      <p:ext uri="{BB962C8B-B14F-4D97-AF65-F5344CB8AC3E}">
+        <p14:creationId xmlns:p14="http://schemas.microsoft.com/office/powerpoint/2010/main" val="2994398508"/>
+      </p:ext>
+    </p:extLst>
+  </p:cSld>
+  <p:clrMapOvr>
+    <a:masterClrMapping/>
+  </p:clrMapOvr>
+  <mc:AlternateContent xmlns:mc="http://schemas.openxmlformats.org/markup-compatibility/2006" xmlns:p14="http://schemas.microsoft.com/office/powerpoint/2010/main">
+    <mc:Choice Requires="p14">
+      <p:transition p14:dur="300">
+        <p:fade/>
+      </p:transition>
+    </mc:Choice>
+    <mc:Fallback xmlns="">
+      <p:transition>
+        <p:fade/>
+      </p:transition>
+    </mc:Fallback>
+  </mc:AlternateContent>
+</p:sld>
+</file>
+
+<file path=ppt/slides/slide5.xml><?xml version="1.0" encoding="utf-8"?>
+<p:sld xmlns:a="http://schemas.openxmlformats.org/drawingml/2006/main" xmlns:r="http://schemas.openxmlformats.org/officeDocument/2006/relationships" xmlns:p="http://schemas.openxmlformats.org/presentationml/2006/main">
+  <p:cSld>
+    <p:spTree>
+      <p:nvGrpSpPr>
+        <p:cNvPr id="1" name=""/>
+        <p:cNvGrpSpPr/>
+        <p:nvPr/>
+      </p:nvGrpSpPr>
+      <p:grpSpPr>
+        <a:xfrm>
+          <a:off x="0" y="0"/>
+          <a:ext cx="0" cy="0"/>
+          <a:chOff x="0" y="0"/>
+          <a:chExt cx="0" cy="0"/>
+        </a:xfrm>
+      </p:grpSpPr>
+      <p:sp>
+        <p:nvSpPr>
+          <p:cNvPr id="2" name="Title 1">
+            <a:extLst>
+              <a:ext uri="{FF2B5EF4-FFF2-40B4-BE49-F238E27FC236}">
+                <a16:creationId xmlns:a16="http://schemas.microsoft.com/office/drawing/2014/main" id="{0EA0677C-5E9D-BA45-B9ED-0DB234643271}"/>
+              </a:ext>
+            </a:extLst>
+          </p:cNvPr>
+          <p:cNvSpPr>
+            <a:spLocks noGrp="1"/>
+          </p:cNvSpPr>
+          <p:nvPr>
+            <p:ph type="title"/>
+          </p:nvPr>
+        </p:nvSpPr>
+        <p:spPr/>
+        <p:txBody>
+          <a:bodyPr/>
+          <a:lstStyle/>
+          <a:p>
+            <a:r>
+              <a:rPr lang="en-US" dirty="0"/>
               <a:t>Interfaces</a:t>
             </a:r>
           </a:p>
@@ -9258,7 +10664,7 @@
 </p:sld>
 </file>
 
-<file path=ppt/slides/slide5.xml><?xml version="1.0" encoding="utf-8"?>
+<file path=ppt/slides/slide6.xml><?xml version="1.0" encoding="utf-8"?>
 <p:sld xmlns:a="http://schemas.openxmlformats.org/drawingml/2006/main" xmlns:r="http://schemas.openxmlformats.org/officeDocument/2006/relationships" xmlns:p="http://schemas.openxmlformats.org/presentationml/2006/main">
   <p:cSld>
     <p:spTree>
@@ -11331,7 +12737,7 @@
 </p:sld>
 </file>
 
-<file path=ppt/slides/slide6.xml><?xml version="1.0" encoding="utf-8"?>
+<file path=ppt/slides/slide7.xml><?xml version="1.0" encoding="utf-8"?>
 <p:sld xmlns:a="http://schemas.openxmlformats.org/drawingml/2006/main" xmlns:r="http://schemas.openxmlformats.org/officeDocument/2006/relationships" xmlns:p="http://schemas.openxmlformats.org/presentationml/2006/main">
   <p:cSld>
     <p:spTree>
@@ -12582,6 +13988,646 @@
       <p:bldP spid="7" grpId="0" animBg="1"/>
     </p:bldLst>
   </p:timing>
+</p:sld>
+</file>
+
+<file path=ppt/slides/slide8.xml><?xml version="1.0" encoding="utf-8"?>
+<p:sld xmlns:a="http://schemas.openxmlformats.org/drawingml/2006/main" xmlns:r="http://schemas.openxmlformats.org/officeDocument/2006/relationships" xmlns:p="http://schemas.openxmlformats.org/presentationml/2006/main">
+  <p:cSld>
+    <p:spTree>
+      <p:nvGrpSpPr>
+        <p:cNvPr id="1" name=""/>
+        <p:cNvGrpSpPr/>
+        <p:nvPr/>
+      </p:nvGrpSpPr>
+      <p:grpSpPr>
+        <a:xfrm>
+          <a:off x="0" y="0"/>
+          <a:ext cx="0" cy="0"/>
+          <a:chOff x="0" y="0"/>
+          <a:chExt cx="0" cy="0"/>
+        </a:xfrm>
+      </p:grpSpPr>
+      <p:sp>
+        <p:nvSpPr>
+          <p:cNvPr id="2" name="Title 1">
+            <a:extLst>
+              <a:ext uri="{FF2B5EF4-FFF2-40B4-BE49-F238E27FC236}">
+                <a16:creationId xmlns:a16="http://schemas.microsoft.com/office/drawing/2014/main" id="{0EA0677C-5E9D-BA45-B9ED-0DB234643271}"/>
+              </a:ext>
+            </a:extLst>
+          </p:cNvPr>
+          <p:cNvSpPr>
+            <a:spLocks noGrp="1"/>
+          </p:cNvSpPr>
+          <p:nvPr>
+            <p:ph type="title"/>
+          </p:nvPr>
+        </p:nvSpPr>
+        <p:spPr/>
+        <p:txBody>
+          <a:bodyPr/>
+          <a:lstStyle/>
+          <a:p>
+            <a:r>
+              <a:rPr lang="en-US" dirty="0"/>
+              <a:t>Interface Practice</a:t>
+            </a:r>
+          </a:p>
+        </p:txBody>
+      </p:sp>
+      <p:sp>
+        <p:nvSpPr>
+          <p:cNvPr id="5" name="Text Placeholder 4">
+            <a:extLst>
+              <a:ext uri="{FF2B5EF4-FFF2-40B4-BE49-F238E27FC236}">
+                <a16:creationId xmlns:a16="http://schemas.microsoft.com/office/drawing/2014/main" id="{0A6AD85F-6D71-420D-9CF4-AFEA9B4374F9}"/>
+              </a:ext>
+            </a:extLst>
+          </p:cNvPr>
+          <p:cNvSpPr>
+            <a:spLocks noGrp="1"/>
+          </p:cNvSpPr>
+          <p:nvPr>
+            <p:ph type="body" sz="quarter" idx="10"/>
+          </p:nvPr>
+        </p:nvSpPr>
+        <p:spPr>
+          <a:xfrm>
+            <a:off x="479220" y="1500415"/>
+            <a:ext cx="7112427" cy="1632498"/>
+          </a:xfrm>
+        </p:spPr>
+        <p:txBody>
+          <a:bodyPr/>
+          <a:lstStyle/>
+          <a:p>
+            <a:r>
+              <a:rPr lang="en-US" dirty="0"/>
+              <a:t>Implement a list of Countries that can be ordered by their area.</a:t>
+            </a:r>
+          </a:p>
+          <a:p>
+            <a:r>
+              <a:rPr lang="en-US" dirty="0"/>
+              <a:t>Need to implement interface Comparable and the method </a:t>
+            </a:r>
+            <a:r>
+              <a:rPr lang="en-US" dirty="0" err="1"/>
+              <a:t>compareTo</a:t>
+            </a:r>
+            <a:r>
+              <a:rPr lang="en-US" dirty="0"/>
+              <a:t> the areas.</a:t>
+            </a:r>
+          </a:p>
+        </p:txBody>
+      </p:sp>
+      <p:grpSp>
+        <p:nvGrpSpPr>
+          <p:cNvPr id="16" name="Group 15">
+            <a:extLst>
+              <a:ext uri="{FF2B5EF4-FFF2-40B4-BE49-F238E27FC236}">
+                <a16:creationId xmlns:a16="http://schemas.microsoft.com/office/drawing/2014/main" id="{4C5FB7FF-BAFB-4D54-9981-06A67064EA38}"/>
+              </a:ext>
+            </a:extLst>
+          </p:cNvPr>
+          <p:cNvGrpSpPr/>
+          <p:nvPr/>
+        </p:nvGrpSpPr>
+        <p:grpSpPr>
+          <a:xfrm>
+            <a:off x="716685" y="3720429"/>
+            <a:ext cx="9626858" cy="3223282"/>
+            <a:chOff x="716685" y="3720429"/>
+            <a:chExt cx="9626858" cy="3223282"/>
+          </a:xfrm>
+        </p:grpSpPr>
+        <p:grpSp>
+          <p:nvGrpSpPr>
+            <p:cNvPr id="3" name="Group 2">
+              <a:extLst>
+                <a:ext uri="{FF2B5EF4-FFF2-40B4-BE49-F238E27FC236}">
+                  <a16:creationId xmlns:a16="http://schemas.microsoft.com/office/drawing/2014/main" id="{AA9849B9-8FBB-4ECF-9A86-877FE9297356}"/>
+                </a:ext>
+              </a:extLst>
+            </p:cNvPr>
+            <p:cNvGrpSpPr/>
+            <p:nvPr/>
+          </p:nvGrpSpPr>
+          <p:grpSpPr>
+            <a:xfrm>
+              <a:off x="716685" y="3720429"/>
+              <a:ext cx="4255220" cy="1405012"/>
+              <a:chOff x="716685" y="3720429"/>
+              <a:chExt cx="4255220" cy="1405012"/>
+            </a:xfrm>
+          </p:grpSpPr>
+          <p:sp>
+            <p:nvSpPr>
+              <p:cNvPr id="12" name="TextBox 11">
+                <a:extLst>
+                  <a:ext uri="{FF2B5EF4-FFF2-40B4-BE49-F238E27FC236}">
+                    <a16:creationId xmlns:a16="http://schemas.microsoft.com/office/drawing/2014/main" id="{ED58F786-1812-422E-B987-C775EB766395}"/>
+                  </a:ext>
+                </a:extLst>
+              </p:cNvPr>
+              <p:cNvSpPr txBox="1"/>
+              <p:nvPr/>
+            </p:nvSpPr>
+            <p:spPr>
+              <a:xfrm>
+                <a:off x="911722" y="3826916"/>
+                <a:ext cx="3687228" cy="329562"/>
+              </a:xfrm>
+              <a:prstGeom prst="rect">
+                <a:avLst/>
+              </a:prstGeom>
+              <a:noFill/>
+            </p:spPr>
+            <p:txBody>
+              <a:bodyPr wrap="none" rtlCol="0">
+                <a:spAutoFit/>
+              </a:bodyPr>
+              <a:lstStyle/>
+              <a:p>
+                <a:r>
+                  <a:rPr lang="en-US" dirty="0"/>
+                  <a:t>&lt;&lt;interface&gt;&gt; Comparable&lt;T&gt;</a:t>
+                </a:r>
+              </a:p>
+            </p:txBody>
+          </p:sp>
+          <p:sp>
+            <p:nvSpPr>
+              <p:cNvPr id="13" name="Rectangle 12">
+                <a:extLst>
+                  <a:ext uri="{FF2B5EF4-FFF2-40B4-BE49-F238E27FC236}">
+                    <a16:creationId xmlns:a16="http://schemas.microsoft.com/office/drawing/2014/main" id="{FD15437E-50F2-4BB0-A7FD-E143BD858646}"/>
+                  </a:ext>
+                </a:extLst>
+              </p:cNvPr>
+              <p:cNvSpPr/>
+              <p:nvPr/>
+            </p:nvSpPr>
+            <p:spPr>
+              <a:xfrm>
+                <a:off x="716687" y="3720429"/>
+                <a:ext cx="4201469" cy="1405012"/>
+              </a:xfrm>
+              <a:prstGeom prst="rect">
+                <a:avLst/>
+              </a:prstGeom>
+              <a:noFill/>
+              <a:ln>
+                <a:solidFill>
+                  <a:schemeClr val="tx1"/>
+                </a:solidFill>
+              </a:ln>
+              <a:effectLst/>
+            </p:spPr>
+            <p:style>
+              <a:lnRef idx="1">
+                <a:schemeClr val="accent1"/>
+              </a:lnRef>
+              <a:fillRef idx="3">
+                <a:schemeClr val="accent1"/>
+              </a:fillRef>
+              <a:effectRef idx="2">
+                <a:schemeClr val="accent1"/>
+              </a:effectRef>
+              <a:fontRef idx="minor">
+                <a:schemeClr val="lt1"/>
+              </a:fontRef>
+            </p:style>
+            <p:txBody>
+              <a:bodyPr lIns="274320" tIns="182880" rIns="274320" bIns="182880" rtlCol="0" anchor="ctr"/>
+              <a:lstStyle/>
+              <a:p>
+                <a:pPr algn="ctr"/>
+                <a:endParaRPr lang="en-US" dirty="0">
+                  <a:latin typeface="Proxima Nova" charset="0"/>
+                  <a:ea typeface="Proxima Nova" charset="0"/>
+                  <a:cs typeface="Proxima Nova" charset="0"/>
+                </a:endParaRPr>
+              </a:p>
+            </p:txBody>
+          </p:sp>
+          <p:cxnSp>
+            <p:nvCxnSpPr>
+              <p:cNvPr id="14" name="Straight Connector 13">
+                <a:extLst>
+                  <a:ext uri="{FF2B5EF4-FFF2-40B4-BE49-F238E27FC236}">
+                    <a16:creationId xmlns:a16="http://schemas.microsoft.com/office/drawing/2014/main" id="{BCE183C0-FCF0-4AA0-A098-4AC367E67DD3}"/>
+                  </a:ext>
+                </a:extLst>
+              </p:cNvPr>
+              <p:cNvCxnSpPr>
+                <a:cxnSpLocks/>
+              </p:cNvCxnSpPr>
+              <p:nvPr/>
+            </p:nvCxnSpPr>
+            <p:spPr>
+              <a:xfrm>
+                <a:off x="716685" y="4271253"/>
+                <a:ext cx="4201471" cy="0"/>
+              </a:xfrm>
+              <a:prstGeom prst="line">
+                <a:avLst/>
+              </a:prstGeom>
+              <a:ln>
+                <a:solidFill>
+                  <a:schemeClr val="tx1"/>
+                </a:solidFill>
+              </a:ln>
+            </p:spPr>
+            <p:style>
+              <a:lnRef idx="2">
+                <a:schemeClr val="accent1"/>
+              </a:lnRef>
+              <a:fillRef idx="0">
+                <a:schemeClr val="accent1"/>
+              </a:fillRef>
+              <a:effectRef idx="1">
+                <a:schemeClr val="accent1"/>
+              </a:effectRef>
+              <a:fontRef idx="minor">
+                <a:schemeClr val="tx1"/>
+              </a:fontRef>
+            </p:style>
+          </p:cxnSp>
+          <p:sp>
+            <p:nvSpPr>
+              <p:cNvPr id="15" name="TextBox 14">
+                <a:extLst>
+                  <a:ext uri="{FF2B5EF4-FFF2-40B4-BE49-F238E27FC236}">
+                    <a16:creationId xmlns:a16="http://schemas.microsoft.com/office/drawing/2014/main" id="{4DE9E1B7-5B2E-48DB-8698-BB14D000CC3A}"/>
+                  </a:ext>
+                </a:extLst>
+              </p:cNvPr>
+              <p:cNvSpPr txBox="1"/>
+              <p:nvPr/>
+            </p:nvSpPr>
+            <p:spPr>
+              <a:xfrm>
+                <a:off x="877933" y="4417554"/>
+                <a:ext cx="4093972" cy="707886"/>
+              </a:xfrm>
+              <a:prstGeom prst="rect">
+                <a:avLst/>
+              </a:prstGeom>
+              <a:noFill/>
+            </p:spPr>
+            <p:txBody>
+              <a:bodyPr wrap="square" rtlCol="0">
+                <a:spAutoFit/>
+              </a:bodyPr>
+              <a:lstStyle/>
+              <a:p>
+                <a:r>
+                  <a:rPr lang="en-US" dirty="0"/>
+                  <a:t>+</a:t>
+                </a:r>
+                <a:r>
+                  <a:rPr lang="en-US" dirty="0" err="1"/>
+                  <a:t>compareTo</a:t>
+                </a:r>
+                <a:r>
+                  <a:rPr lang="en-US" dirty="0"/>
+                  <a:t>(O : T): int</a:t>
+                </a:r>
+              </a:p>
+              <a:p>
+                <a:endParaRPr lang="en-US" dirty="0"/>
+              </a:p>
+            </p:txBody>
+          </p:sp>
+        </p:grpSp>
+        <p:grpSp>
+          <p:nvGrpSpPr>
+            <p:cNvPr id="17" name="Group 16">
+              <a:extLst>
+                <a:ext uri="{FF2B5EF4-FFF2-40B4-BE49-F238E27FC236}">
+                  <a16:creationId xmlns:a16="http://schemas.microsoft.com/office/drawing/2014/main" id="{FE06C3B8-9BB0-41C2-A480-4BEEFB612331}"/>
+                </a:ext>
+              </a:extLst>
+            </p:cNvPr>
+            <p:cNvGrpSpPr/>
+            <p:nvPr/>
+          </p:nvGrpSpPr>
+          <p:grpSpPr>
+            <a:xfrm>
+              <a:off x="6057012" y="3720429"/>
+              <a:ext cx="4201471" cy="3189602"/>
+              <a:chOff x="9248714" y="4049072"/>
+              <a:chExt cx="4201471" cy="3189602"/>
+            </a:xfrm>
+          </p:grpSpPr>
+          <p:sp>
+            <p:nvSpPr>
+              <p:cNvPr id="18" name="TextBox 17">
+                <a:extLst>
+                  <a:ext uri="{FF2B5EF4-FFF2-40B4-BE49-F238E27FC236}">
+                    <a16:creationId xmlns:a16="http://schemas.microsoft.com/office/drawing/2014/main" id="{EFA9229F-6343-479F-B2AC-EEECECABCD59}"/>
+                  </a:ext>
+                </a:extLst>
+              </p:cNvPr>
+              <p:cNvSpPr txBox="1"/>
+              <p:nvPr/>
+            </p:nvSpPr>
+            <p:spPr>
+              <a:xfrm>
+                <a:off x="10668739" y="4183386"/>
+                <a:ext cx="1082348" cy="400110"/>
+              </a:xfrm>
+              <a:prstGeom prst="rect">
+                <a:avLst/>
+              </a:prstGeom>
+              <a:noFill/>
+            </p:spPr>
+            <p:txBody>
+              <a:bodyPr wrap="none" rtlCol="0">
+                <a:spAutoFit/>
+              </a:bodyPr>
+              <a:lstStyle/>
+              <a:p>
+                <a:r>
+                  <a:rPr lang="en-US" dirty="0"/>
+                  <a:t>Country</a:t>
+                </a:r>
+              </a:p>
+            </p:txBody>
+          </p:sp>
+          <p:sp>
+            <p:nvSpPr>
+              <p:cNvPr id="19" name="Rectangle 18">
+                <a:extLst>
+                  <a:ext uri="{FF2B5EF4-FFF2-40B4-BE49-F238E27FC236}">
+                    <a16:creationId xmlns:a16="http://schemas.microsoft.com/office/drawing/2014/main" id="{4E269A84-14CA-4DEE-8CCC-A22B0F8F3B93}"/>
+                  </a:ext>
+                </a:extLst>
+              </p:cNvPr>
+              <p:cNvSpPr/>
+              <p:nvPr/>
+            </p:nvSpPr>
+            <p:spPr>
+              <a:xfrm>
+                <a:off x="9248716" y="4049072"/>
+                <a:ext cx="4201469" cy="3189602"/>
+              </a:xfrm>
+              <a:prstGeom prst="rect">
+                <a:avLst/>
+              </a:prstGeom>
+              <a:noFill/>
+              <a:ln>
+                <a:solidFill>
+                  <a:schemeClr val="tx1"/>
+                </a:solidFill>
+              </a:ln>
+              <a:effectLst/>
+            </p:spPr>
+            <p:style>
+              <a:lnRef idx="1">
+                <a:schemeClr val="accent1"/>
+              </a:lnRef>
+              <a:fillRef idx="3">
+                <a:schemeClr val="accent1"/>
+              </a:fillRef>
+              <a:effectRef idx="2">
+                <a:schemeClr val="accent1"/>
+              </a:effectRef>
+              <a:fontRef idx="minor">
+                <a:schemeClr val="lt1"/>
+              </a:fontRef>
+            </p:style>
+            <p:txBody>
+              <a:bodyPr lIns="274320" tIns="182880" rIns="274320" bIns="182880" rtlCol="0" anchor="ctr"/>
+              <a:lstStyle/>
+              <a:p>
+                <a:pPr algn="ctr"/>
+                <a:endParaRPr lang="en-US" dirty="0">
+                  <a:latin typeface="Proxima Nova" charset="0"/>
+                  <a:ea typeface="Proxima Nova" charset="0"/>
+                  <a:cs typeface="Proxima Nova" charset="0"/>
+                </a:endParaRPr>
+              </a:p>
+            </p:txBody>
+          </p:sp>
+          <p:cxnSp>
+            <p:nvCxnSpPr>
+              <p:cNvPr id="20" name="Straight Connector 19">
+                <a:extLst>
+                  <a:ext uri="{FF2B5EF4-FFF2-40B4-BE49-F238E27FC236}">
+                    <a16:creationId xmlns:a16="http://schemas.microsoft.com/office/drawing/2014/main" id="{0D0C0586-16F5-4E74-97CB-A717EED823E0}"/>
+                  </a:ext>
+                </a:extLst>
+              </p:cNvPr>
+              <p:cNvCxnSpPr>
+                <a:cxnSpLocks/>
+              </p:cNvCxnSpPr>
+              <p:nvPr/>
+            </p:nvCxnSpPr>
+            <p:spPr>
+              <a:xfrm>
+                <a:off x="9248714" y="4717809"/>
+                <a:ext cx="4201471" cy="0"/>
+              </a:xfrm>
+              <a:prstGeom prst="line">
+                <a:avLst/>
+              </a:prstGeom>
+              <a:ln>
+                <a:solidFill>
+                  <a:schemeClr val="tx1"/>
+                </a:solidFill>
+              </a:ln>
+            </p:spPr>
+            <p:style>
+              <a:lnRef idx="2">
+                <a:schemeClr val="accent1"/>
+              </a:lnRef>
+              <a:fillRef idx="0">
+                <a:schemeClr val="accent1"/>
+              </a:fillRef>
+              <a:effectRef idx="1">
+                <a:schemeClr val="accent1"/>
+              </a:effectRef>
+              <a:fontRef idx="minor">
+                <a:schemeClr val="tx1"/>
+              </a:fontRef>
+            </p:style>
+          </p:cxnSp>
+        </p:grpSp>
+        <p:sp>
+          <p:nvSpPr>
+            <p:cNvPr id="21" name="TextBox 20">
+              <a:extLst>
+                <a:ext uri="{FF2B5EF4-FFF2-40B4-BE49-F238E27FC236}">
+                  <a16:creationId xmlns:a16="http://schemas.microsoft.com/office/drawing/2014/main" id="{7E2E6D36-BB32-497D-9F5F-231FA657E416}"/>
+                </a:ext>
+              </a:extLst>
+            </p:cNvPr>
+            <p:cNvSpPr txBox="1"/>
+            <p:nvPr/>
+          </p:nvSpPr>
+          <p:spPr>
+            <a:xfrm>
+              <a:off x="6249571" y="4389166"/>
+              <a:ext cx="4093972" cy="2554545"/>
+            </a:xfrm>
+            <a:prstGeom prst="rect">
+              <a:avLst/>
+            </a:prstGeom>
+            <a:noFill/>
+          </p:spPr>
+          <p:txBody>
+            <a:bodyPr wrap="square" rtlCol="0">
+              <a:spAutoFit/>
+            </a:bodyPr>
+            <a:lstStyle/>
+            <a:p>
+              <a:r>
+                <a:rPr lang="en-US" dirty="0"/>
+                <a:t>-name: String</a:t>
+              </a:r>
+            </a:p>
+            <a:p>
+              <a:r>
+                <a:rPr lang="en-US" dirty="0"/>
+                <a:t>-area: double</a:t>
+              </a:r>
+            </a:p>
+            <a:p>
+              <a:r>
+                <a:rPr lang="en-US" dirty="0"/>
+                <a:t>+Country(</a:t>
+              </a:r>
+              <a:r>
+                <a:rPr lang="en-US" dirty="0" err="1"/>
+                <a:t>name:String</a:t>
+              </a:r>
+              <a:r>
+                <a:rPr lang="en-US" dirty="0"/>
+                <a:t>, </a:t>
+              </a:r>
+              <a:r>
+                <a:rPr lang="en-US" dirty="0" err="1"/>
+                <a:t>area:double</a:t>
+              </a:r>
+              <a:r>
+                <a:rPr lang="en-US" dirty="0"/>
+                <a:t>)</a:t>
+              </a:r>
+            </a:p>
+            <a:p>
+              <a:r>
+                <a:rPr lang="en-US" dirty="0"/>
+                <a:t>+</a:t>
+              </a:r>
+              <a:r>
+                <a:rPr lang="en-US" dirty="0" err="1"/>
+                <a:t>getName</a:t>
+              </a:r>
+              <a:r>
+                <a:rPr lang="en-US" dirty="0"/>
+                <a:t>():String</a:t>
+              </a:r>
+            </a:p>
+            <a:p>
+              <a:r>
+                <a:rPr lang="en-US" dirty="0"/>
+                <a:t>+</a:t>
+              </a:r>
+              <a:r>
+                <a:rPr lang="en-US" dirty="0" err="1"/>
+                <a:t>getArea</a:t>
+              </a:r>
+              <a:r>
+                <a:rPr lang="en-US" dirty="0"/>
+                <a:t>():double</a:t>
+              </a:r>
+            </a:p>
+            <a:p>
+              <a:r>
+                <a:rPr lang="en-US" dirty="0"/>
+                <a:t>+</a:t>
+              </a:r>
+              <a:r>
+                <a:rPr lang="en-US" dirty="0" err="1"/>
+                <a:t>compareTo</a:t>
+              </a:r>
+              <a:r>
+                <a:rPr lang="en-US" dirty="0"/>
+                <a:t>(other: Country): int</a:t>
+              </a:r>
+            </a:p>
+            <a:p>
+              <a:endParaRPr lang="en-US" dirty="0"/>
+            </a:p>
+          </p:txBody>
+        </p:sp>
+        <p:cxnSp>
+          <p:nvCxnSpPr>
+            <p:cNvPr id="6" name="Straight Arrow Connector 5">
+              <a:extLst>
+                <a:ext uri="{FF2B5EF4-FFF2-40B4-BE49-F238E27FC236}">
+                  <a16:creationId xmlns:a16="http://schemas.microsoft.com/office/drawing/2014/main" id="{F39C838C-3152-46AC-A09D-119445C51C0B}"/>
+                </a:ext>
+              </a:extLst>
+            </p:cNvPr>
+            <p:cNvCxnSpPr/>
+            <p:nvPr/>
+          </p:nvCxnSpPr>
+          <p:spPr>
+            <a:xfrm flipH="1">
+              <a:off x="4971905" y="4156478"/>
+              <a:ext cx="1003593" cy="0"/>
+            </a:xfrm>
+            <a:prstGeom prst="straightConnector1">
+              <a:avLst/>
+            </a:prstGeom>
+            <a:ln>
+              <a:prstDash val="lgDash"/>
+              <a:tailEnd type="triangle"/>
+            </a:ln>
+          </p:spPr>
+          <p:style>
+            <a:lnRef idx="2">
+              <a:schemeClr val="dk1"/>
+            </a:lnRef>
+            <a:fillRef idx="0">
+              <a:schemeClr val="dk1"/>
+            </a:fillRef>
+            <a:effectRef idx="1">
+              <a:schemeClr val="dk1"/>
+            </a:effectRef>
+            <a:fontRef idx="minor">
+              <a:schemeClr val="tx1"/>
+            </a:fontRef>
+          </p:style>
+        </p:cxnSp>
+      </p:grpSp>
+    </p:spTree>
+    <p:extLst>
+      <p:ext uri="{BB962C8B-B14F-4D97-AF65-F5344CB8AC3E}">
+        <p14:creationId xmlns:p14="http://schemas.microsoft.com/office/powerpoint/2010/main" val="2436844951"/>
+      </p:ext>
+    </p:extLst>
+  </p:cSld>
+  <p:clrMapOvr>
+    <a:masterClrMapping/>
+  </p:clrMapOvr>
+  <mc:AlternateContent xmlns:mc="http://schemas.openxmlformats.org/markup-compatibility/2006" xmlns:p14="http://schemas.microsoft.com/office/powerpoint/2010/main">
+    <mc:Choice Requires="p14">
+      <p:transition p14:dur="300">
+        <p:fade/>
+      </p:transition>
+    </mc:Choice>
+    <mc:Fallback xmlns="">
+      <p:transition>
+        <p:fade/>
+      </p:transition>
+    </mc:Fallback>
+  </mc:AlternateContent>
 </p:sld>
 </file>
 

--- a/slides/On-Campus/13_01_AbstractClasses.pptx
+++ b/slides/On-Campus/13_01_AbstractClasses.pptx
@@ -5,20 +5,21 @@
     <p:sldMasterId id="2147483648" r:id="rId1"/>
   </p:sldMasterIdLst>
   <p:notesMasterIdLst>
-    <p:notesMasterId r:id="rId10"/>
+    <p:notesMasterId r:id="rId11"/>
   </p:notesMasterIdLst>
   <p:handoutMasterIdLst>
-    <p:handoutMasterId r:id="rId11"/>
+    <p:handoutMasterId r:id="rId12"/>
   </p:handoutMasterIdLst>
   <p:sldIdLst>
     <p:sldId id="256" r:id="rId2"/>
-    <p:sldId id="257" r:id="rId3"/>
-    <p:sldId id="258" r:id="rId4"/>
-    <p:sldId id="262" r:id="rId5"/>
-    <p:sldId id="259" r:id="rId6"/>
-    <p:sldId id="260" r:id="rId7"/>
-    <p:sldId id="261" r:id="rId8"/>
-    <p:sldId id="263" r:id="rId9"/>
+    <p:sldId id="271" r:id="rId3"/>
+    <p:sldId id="257" r:id="rId4"/>
+    <p:sldId id="258" r:id="rId5"/>
+    <p:sldId id="262" r:id="rId6"/>
+    <p:sldId id="259" r:id="rId7"/>
+    <p:sldId id="260" r:id="rId8"/>
+    <p:sldId id="261" r:id="rId9"/>
+    <p:sldId id="263" r:id="rId10"/>
   </p:sldIdLst>
   <p:sldSz cx="13817600" cy="7772400"/>
   <p:notesSz cx="6858000" cy="9144000"/>
@@ -529,7 +530,7 @@
           <a:p>
             <a:fld id="{4D7E51A5-B478-1E40-8CBB-0DAA8831E99D}" type="datetimeFigureOut">
               <a:rPr lang="en-US" smtClean="0"/>
-              <a:t>11/12/2021</a:t>
+              <a:t>11/14/21</a:t>
             </a:fld>
             <a:endParaRPr lang="en-US"/>
           </a:p>
@@ -694,7 +695,7 @@
           <a:p>
             <a:fld id="{D0ED587F-861E-6740-9643-E3DDAE89B8D6}" type="datetimeFigureOut">
               <a:rPr lang="en-US" smtClean="0"/>
-              <a:t>11/12/2021</a:t>
+              <a:t>11/14/21</a:t>
             </a:fld>
             <a:endParaRPr lang="en-US"/>
           </a:p>
@@ -4321,6 +4322,602 @@
 </p:sldLayout>
 </file>
 
+<file path=ppt/slideLayouts/slideLayout25.xml><?xml version="1.0" encoding="utf-8"?>
+<p:sldLayout xmlns:a="http://schemas.openxmlformats.org/drawingml/2006/main" xmlns:r="http://schemas.openxmlformats.org/officeDocument/2006/relationships" xmlns:p="http://schemas.openxmlformats.org/presentationml/2006/main" matchingName="Title and Content">
+  <p:cSld name="1_Title and Content">
+    <p:spTree>
+      <p:nvGrpSpPr>
+        <p:cNvPr id="1" name="Shape 53"/>
+        <p:cNvGrpSpPr/>
+        <p:nvPr/>
+      </p:nvGrpSpPr>
+      <p:grpSpPr>
+        <a:xfrm>
+          <a:off x="0" y="0"/>
+          <a:ext cx="0" cy="0"/>
+          <a:chOff x="0" y="0"/>
+          <a:chExt cx="0" cy="0"/>
+        </a:xfrm>
+      </p:grpSpPr>
+      <p:grpSp>
+        <p:nvGrpSpPr>
+          <p:cNvPr id="54" name="Google Shape;54;p14"/>
+          <p:cNvGrpSpPr/>
+          <p:nvPr/>
+        </p:nvGrpSpPr>
+        <p:grpSpPr>
+          <a:xfrm>
+            <a:off x="0" y="7372875"/>
+            <a:ext cx="13849756" cy="400074"/>
+            <a:chOff x="0" y="7372350"/>
+            <a:chExt cx="13817700" cy="400053"/>
+          </a:xfrm>
+        </p:grpSpPr>
+        <p:sp>
+          <p:nvSpPr>
+            <p:cNvPr id="55" name="Google Shape;55;p14"/>
+            <p:cNvSpPr/>
+            <p:nvPr/>
+          </p:nvSpPr>
+          <p:spPr>
+            <a:xfrm>
+              <a:off x="0" y="7372350"/>
+              <a:ext cx="13817700" cy="399900"/>
+            </a:xfrm>
+            <a:prstGeom prst="rect">
+              <a:avLst/>
+            </a:prstGeom>
+            <a:solidFill>
+              <a:schemeClr val="dk2"/>
+            </a:solidFill>
+            <a:ln>
+              <a:noFill/>
+            </a:ln>
+          </p:spPr>
+          <p:txBody>
+            <a:bodyPr spcFirstLastPara="1" wrap="square" lIns="60500" tIns="30250" rIns="60500" bIns="30250" anchor="ctr" anchorCtr="0">
+              <a:noAutofit/>
+            </a:bodyPr>
+            <a:lstStyle/>
+            <a:p>
+              <a:pPr marL="0" marR="0" lvl="0" indent="0" algn="ctr" rtl="0">
+                <a:spcBef>
+                  <a:spcPts val="0"/>
+                </a:spcBef>
+                <a:spcAft>
+                  <a:spcPts val="0"/>
+                </a:spcAft>
+                <a:buNone/>
+              </a:pPr>
+              <a:endParaRPr sz="1964" b="0" i="0" u="none" strike="noStrike" cap="none">
+                <a:solidFill>
+                  <a:schemeClr val="lt1"/>
+                </a:solidFill>
+                <a:latin typeface="Arial"/>
+                <a:ea typeface="Arial"/>
+                <a:cs typeface="Arial"/>
+                <a:sym typeface="Arial"/>
+              </a:endParaRPr>
+            </a:p>
+          </p:txBody>
+        </p:sp>
+        <p:pic>
+          <p:nvPicPr>
+            <p:cNvPr id="56" name="Google Shape;56;p14"/>
+            <p:cNvPicPr preferRelativeResize="0"/>
+            <p:nvPr/>
+          </p:nvPicPr>
+          <p:blipFill rotWithShape="1">
+            <a:blip r:embed="rId2">
+              <a:alphaModFix/>
+            </a:blip>
+            <a:srcRect/>
+            <a:stretch/>
+          </p:blipFill>
+          <p:spPr>
+            <a:xfrm>
+              <a:off x="152257" y="7372351"/>
+              <a:ext cx="1788558" cy="400050"/>
+            </a:xfrm>
+            <a:prstGeom prst="rect">
+              <a:avLst/>
+            </a:prstGeom>
+            <a:noFill/>
+            <a:ln>
+              <a:noFill/>
+            </a:ln>
+          </p:spPr>
+        </p:pic>
+        <p:sp>
+          <p:nvSpPr>
+            <p:cNvPr id="57" name="Google Shape;57;p14"/>
+            <p:cNvSpPr/>
+            <p:nvPr/>
+          </p:nvSpPr>
+          <p:spPr>
+            <a:xfrm>
+              <a:off x="0" y="7372351"/>
+              <a:ext cx="13817700" cy="399900"/>
+            </a:xfrm>
+            <a:prstGeom prst="rect">
+              <a:avLst/>
+            </a:prstGeom>
+            <a:solidFill>
+              <a:schemeClr val="dk2"/>
+            </a:solidFill>
+            <a:ln>
+              <a:noFill/>
+            </a:ln>
+          </p:spPr>
+          <p:txBody>
+            <a:bodyPr spcFirstLastPara="1" wrap="square" lIns="60500" tIns="30250" rIns="60500" bIns="30250" anchor="ctr" anchorCtr="0">
+              <a:noAutofit/>
+            </a:bodyPr>
+            <a:lstStyle/>
+            <a:p>
+              <a:pPr marL="0" marR="0" lvl="0" indent="0" algn="ctr" rtl="0">
+                <a:spcBef>
+                  <a:spcPts val="0"/>
+                </a:spcBef>
+                <a:spcAft>
+                  <a:spcPts val="0"/>
+                </a:spcAft>
+                <a:buNone/>
+              </a:pPr>
+              <a:endParaRPr sz="1964" b="0" i="0" u="none" strike="noStrike" cap="none">
+                <a:solidFill>
+                  <a:schemeClr val="lt1"/>
+                </a:solidFill>
+                <a:latin typeface="Arial"/>
+                <a:ea typeface="Arial"/>
+                <a:cs typeface="Arial"/>
+                <a:sym typeface="Arial"/>
+              </a:endParaRPr>
+            </a:p>
+          </p:txBody>
+        </p:sp>
+        <p:pic>
+          <p:nvPicPr>
+            <p:cNvPr id="58" name="Google Shape;58;p14"/>
+            <p:cNvPicPr preferRelativeResize="0"/>
+            <p:nvPr/>
+          </p:nvPicPr>
+          <p:blipFill rotWithShape="1">
+            <a:blip r:embed="rId2">
+              <a:alphaModFix/>
+            </a:blip>
+            <a:srcRect/>
+            <a:stretch/>
+          </p:blipFill>
+          <p:spPr>
+            <a:xfrm>
+              <a:off x="152257" y="7372352"/>
+              <a:ext cx="1788558" cy="400050"/>
+            </a:xfrm>
+            <a:prstGeom prst="rect">
+              <a:avLst/>
+            </a:prstGeom>
+            <a:noFill/>
+            <a:ln>
+              <a:noFill/>
+            </a:ln>
+          </p:spPr>
+        </p:pic>
+      </p:grpSp>
+      <p:sp>
+        <p:nvSpPr>
+          <p:cNvPr id="59" name="Google Shape;59;p14"/>
+          <p:cNvSpPr txBox="1">
+            <a:spLocks noGrp="1"/>
+          </p:cNvSpPr>
+          <p:nvPr>
+            <p:ph type="title"/>
+          </p:nvPr>
+        </p:nvSpPr>
+        <p:spPr>
+          <a:xfrm>
+            <a:off x="628075" y="905258"/>
+            <a:ext cx="12561413" cy="1015467"/>
+          </a:xfrm>
+          <a:prstGeom prst="rect">
+            <a:avLst/>
+          </a:prstGeom>
+          <a:noFill/>
+          <a:ln>
+            <a:noFill/>
+          </a:ln>
+        </p:spPr>
+        <p:txBody>
+          <a:bodyPr spcFirstLastPara="1" wrap="square" lIns="60500" tIns="60500" rIns="60500" bIns="60500" anchor="b" anchorCtr="0">
+            <a:noAutofit/>
+          </a:bodyPr>
+          <a:lstStyle>
+            <a:lvl1pPr marR="0" lvl="0" algn="l" rtl="0">
+              <a:spcBef>
+                <a:spcPts val="0"/>
+              </a:spcBef>
+              <a:spcAft>
+                <a:spcPts val="0"/>
+              </a:spcAft>
+              <a:buClr>
+                <a:schemeClr val="dk2"/>
+              </a:buClr>
+              <a:buSzPts val="3600"/>
+              <a:buFont typeface="Arial"/>
+              <a:buNone/>
+              <a:defRPr sz="5440" b="0" i="0" u="none" strike="noStrike" cap="none">
+                <a:solidFill>
+                  <a:schemeClr val="dk2"/>
+                </a:solidFill>
+                <a:latin typeface="Arial"/>
+                <a:ea typeface="Arial"/>
+                <a:cs typeface="Arial"/>
+                <a:sym typeface="Arial"/>
+              </a:defRPr>
+            </a:lvl1pPr>
+            <a:lvl2pPr lvl="1" rtl="0">
+              <a:spcBef>
+                <a:spcPts val="0"/>
+              </a:spcBef>
+              <a:spcAft>
+                <a:spcPts val="0"/>
+              </a:spcAft>
+              <a:buSzPts val="900"/>
+              <a:buNone/>
+              <a:defRPr sz="1813"/>
+            </a:lvl2pPr>
+            <a:lvl3pPr lvl="2" rtl="0">
+              <a:spcBef>
+                <a:spcPts val="0"/>
+              </a:spcBef>
+              <a:spcAft>
+                <a:spcPts val="0"/>
+              </a:spcAft>
+              <a:buSzPts val="900"/>
+              <a:buNone/>
+              <a:defRPr sz="1813"/>
+            </a:lvl3pPr>
+            <a:lvl4pPr lvl="3" rtl="0">
+              <a:spcBef>
+                <a:spcPts val="0"/>
+              </a:spcBef>
+              <a:spcAft>
+                <a:spcPts val="0"/>
+              </a:spcAft>
+              <a:buSzPts val="900"/>
+              <a:buNone/>
+              <a:defRPr sz="1813"/>
+            </a:lvl4pPr>
+            <a:lvl5pPr lvl="4" rtl="0">
+              <a:spcBef>
+                <a:spcPts val="0"/>
+              </a:spcBef>
+              <a:spcAft>
+                <a:spcPts val="0"/>
+              </a:spcAft>
+              <a:buSzPts val="900"/>
+              <a:buNone/>
+              <a:defRPr sz="1813"/>
+            </a:lvl5pPr>
+            <a:lvl6pPr lvl="5" rtl="0">
+              <a:spcBef>
+                <a:spcPts val="0"/>
+              </a:spcBef>
+              <a:spcAft>
+                <a:spcPts val="0"/>
+              </a:spcAft>
+              <a:buSzPts val="900"/>
+              <a:buNone/>
+              <a:defRPr sz="1813"/>
+            </a:lvl6pPr>
+            <a:lvl7pPr lvl="6" rtl="0">
+              <a:spcBef>
+                <a:spcPts val="0"/>
+              </a:spcBef>
+              <a:spcAft>
+                <a:spcPts val="0"/>
+              </a:spcAft>
+              <a:buSzPts val="900"/>
+              <a:buNone/>
+              <a:defRPr sz="1813"/>
+            </a:lvl7pPr>
+            <a:lvl8pPr lvl="7" rtl="0">
+              <a:spcBef>
+                <a:spcPts val="0"/>
+              </a:spcBef>
+              <a:spcAft>
+                <a:spcPts val="0"/>
+              </a:spcAft>
+              <a:buSzPts val="900"/>
+              <a:buNone/>
+              <a:defRPr sz="1813"/>
+            </a:lvl8pPr>
+            <a:lvl9pPr lvl="8" rtl="0">
+              <a:spcBef>
+                <a:spcPts val="0"/>
+              </a:spcBef>
+              <a:spcAft>
+                <a:spcPts val="0"/>
+              </a:spcAft>
+              <a:buSzPts val="900"/>
+              <a:buNone/>
+              <a:defRPr sz="1813"/>
+            </a:lvl9pPr>
+          </a:lstStyle>
+          <a:p>
+            <a:endParaRPr/>
+          </a:p>
+        </p:txBody>
+      </p:sp>
+      <p:sp>
+        <p:nvSpPr>
+          <p:cNvPr id="60" name="Google Shape;60;p14"/>
+          <p:cNvSpPr txBox="1">
+            <a:spLocks noGrp="1"/>
+          </p:cNvSpPr>
+          <p:nvPr>
+            <p:ph type="body" idx="1"/>
+          </p:nvPr>
+        </p:nvSpPr>
+        <p:spPr>
+          <a:xfrm>
+            <a:off x="628075" y="2487883"/>
+            <a:ext cx="12561413" cy="2015520"/>
+          </a:xfrm>
+          <a:prstGeom prst="rect">
+            <a:avLst/>
+          </a:prstGeom>
+          <a:noFill/>
+          <a:ln>
+            <a:noFill/>
+          </a:ln>
+        </p:spPr>
+        <p:txBody>
+          <a:bodyPr spcFirstLastPara="1" wrap="square" lIns="60500" tIns="60500" rIns="60500" bIns="60500" anchor="t" anchorCtr="0">
+            <a:noAutofit/>
+          </a:bodyPr>
+          <a:lstStyle>
+            <a:lvl1pPr marL="690875" marR="0" lvl="0" indent="-460583" algn="l" rtl="0">
+              <a:lnSpc>
+                <a:spcPct val="120000"/>
+              </a:lnSpc>
+              <a:spcBef>
+                <a:spcPts val="604"/>
+              </a:spcBef>
+              <a:spcAft>
+                <a:spcPts val="0"/>
+              </a:spcAft>
+              <a:buClr>
+                <a:schemeClr val="dk1"/>
+              </a:buClr>
+              <a:buSzPts val="1200"/>
+              <a:buFont typeface="Arial"/>
+              <a:buChar char="•"/>
+              <a:defRPr sz="1813" b="0" i="0" u="none" strike="noStrike" cap="none">
+                <a:solidFill>
+                  <a:schemeClr val="dk1"/>
+                </a:solidFill>
+                <a:latin typeface="Proxima Nova"/>
+                <a:ea typeface="Proxima Nova"/>
+                <a:cs typeface="Proxima Nova"/>
+                <a:sym typeface="Proxima Nova"/>
+              </a:defRPr>
+            </a:lvl1pPr>
+            <a:lvl2pPr marL="1381750" marR="0" lvl="1" indent="-450988" algn="l" rtl="0">
+              <a:lnSpc>
+                <a:spcPct val="120000"/>
+              </a:lnSpc>
+              <a:spcBef>
+                <a:spcPts val="604"/>
+              </a:spcBef>
+              <a:spcAft>
+                <a:spcPts val="0"/>
+              </a:spcAft>
+              <a:buClr>
+                <a:schemeClr val="dk1"/>
+              </a:buClr>
+              <a:buSzPts val="1100"/>
+              <a:buFont typeface="Arial"/>
+              <a:buChar char="–"/>
+              <a:defRPr sz="1662" b="0" i="0" u="none" strike="noStrike" cap="none">
+                <a:solidFill>
+                  <a:schemeClr val="dk1"/>
+                </a:solidFill>
+                <a:latin typeface="Proxima Nova"/>
+                <a:ea typeface="Proxima Nova"/>
+                <a:cs typeface="Proxima Nova"/>
+                <a:sym typeface="Proxima Nova"/>
+              </a:defRPr>
+            </a:lvl2pPr>
+            <a:lvl3pPr marL="2072625" marR="0" lvl="2" indent="-450988" algn="l" rtl="0">
+              <a:lnSpc>
+                <a:spcPct val="120000"/>
+              </a:lnSpc>
+              <a:spcBef>
+                <a:spcPts val="604"/>
+              </a:spcBef>
+              <a:spcAft>
+                <a:spcPts val="0"/>
+              </a:spcAft>
+              <a:buClr>
+                <a:schemeClr val="dk1"/>
+              </a:buClr>
+              <a:buSzPts val="1100"/>
+              <a:buFont typeface="Arial"/>
+              <a:buChar char="•"/>
+              <a:defRPr sz="1662" b="0" i="0" u="none" strike="noStrike" cap="none">
+                <a:solidFill>
+                  <a:schemeClr val="dk1"/>
+                </a:solidFill>
+                <a:latin typeface="Proxima Nova"/>
+                <a:ea typeface="Proxima Nova"/>
+                <a:cs typeface="Proxima Nova"/>
+                <a:sym typeface="Proxima Nova"/>
+              </a:defRPr>
+            </a:lvl3pPr>
+            <a:lvl4pPr marL="2763500" marR="0" lvl="3" indent="-450988" algn="l" rtl="0">
+              <a:lnSpc>
+                <a:spcPct val="120000"/>
+              </a:lnSpc>
+              <a:spcBef>
+                <a:spcPts val="604"/>
+              </a:spcBef>
+              <a:spcAft>
+                <a:spcPts val="0"/>
+              </a:spcAft>
+              <a:buClr>
+                <a:schemeClr val="dk1"/>
+              </a:buClr>
+              <a:buSzPts val="1100"/>
+              <a:buFont typeface="Arial"/>
+              <a:buChar char="–"/>
+              <a:defRPr sz="1662" b="0" i="0" u="none" strike="noStrike" cap="none">
+                <a:solidFill>
+                  <a:schemeClr val="dk1"/>
+                </a:solidFill>
+                <a:latin typeface="Proxima Nova"/>
+                <a:ea typeface="Proxima Nova"/>
+                <a:cs typeface="Proxima Nova"/>
+                <a:sym typeface="Proxima Nova"/>
+              </a:defRPr>
+            </a:lvl4pPr>
+            <a:lvl5pPr marL="3454375" marR="0" lvl="4" indent="-450988" algn="l" rtl="0">
+              <a:spcBef>
+                <a:spcPts val="604"/>
+              </a:spcBef>
+              <a:spcAft>
+                <a:spcPts val="0"/>
+              </a:spcAft>
+              <a:buClr>
+                <a:schemeClr val="dk1"/>
+              </a:buClr>
+              <a:buSzPts val="1100"/>
+              <a:buFont typeface="Arial"/>
+              <a:buChar char="»"/>
+              <a:defRPr sz="1662" b="0" i="0" u="none" strike="noStrike" cap="none">
+                <a:solidFill>
+                  <a:schemeClr val="dk1"/>
+                </a:solidFill>
+                <a:latin typeface="Source Sans Pro"/>
+                <a:ea typeface="Source Sans Pro"/>
+                <a:cs typeface="Source Sans Pro"/>
+                <a:sym typeface="Source Sans Pro"/>
+              </a:defRPr>
+            </a:lvl5pPr>
+            <a:lvl6pPr marL="4145250" marR="0" lvl="5" indent="-537347" algn="l" rtl="0">
+              <a:spcBef>
+                <a:spcPts val="604"/>
+              </a:spcBef>
+              <a:spcAft>
+                <a:spcPts val="0"/>
+              </a:spcAft>
+              <a:buClr>
+                <a:schemeClr val="dk1"/>
+              </a:buClr>
+              <a:buSzPts val="2000"/>
+              <a:buFont typeface="Arial"/>
+              <a:buChar char="•"/>
+              <a:defRPr sz="3022" b="0" i="0" u="none" strike="noStrike" cap="none">
+                <a:solidFill>
+                  <a:schemeClr val="dk1"/>
+                </a:solidFill>
+                <a:latin typeface="Arial"/>
+                <a:ea typeface="Arial"/>
+                <a:cs typeface="Arial"/>
+                <a:sym typeface="Arial"/>
+              </a:defRPr>
+            </a:lvl6pPr>
+            <a:lvl7pPr marL="4836124" marR="0" lvl="6" indent="-537347" algn="l" rtl="0">
+              <a:spcBef>
+                <a:spcPts val="604"/>
+              </a:spcBef>
+              <a:spcAft>
+                <a:spcPts val="0"/>
+              </a:spcAft>
+              <a:buClr>
+                <a:schemeClr val="dk1"/>
+              </a:buClr>
+              <a:buSzPts val="2000"/>
+              <a:buFont typeface="Arial"/>
+              <a:buChar char="•"/>
+              <a:defRPr sz="3022" b="0" i="0" u="none" strike="noStrike" cap="none">
+                <a:solidFill>
+                  <a:schemeClr val="dk1"/>
+                </a:solidFill>
+                <a:latin typeface="Arial"/>
+                <a:ea typeface="Arial"/>
+                <a:cs typeface="Arial"/>
+                <a:sym typeface="Arial"/>
+              </a:defRPr>
+            </a:lvl7pPr>
+            <a:lvl8pPr marL="5526999" marR="0" lvl="7" indent="-537347" algn="l" rtl="0">
+              <a:spcBef>
+                <a:spcPts val="604"/>
+              </a:spcBef>
+              <a:spcAft>
+                <a:spcPts val="0"/>
+              </a:spcAft>
+              <a:buClr>
+                <a:schemeClr val="dk1"/>
+              </a:buClr>
+              <a:buSzPts val="2000"/>
+              <a:buFont typeface="Arial"/>
+              <a:buChar char="•"/>
+              <a:defRPr sz="3022" b="0" i="0" u="none" strike="noStrike" cap="none">
+                <a:solidFill>
+                  <a:schemeClr val="dk1"/>
+                </a:solidFill>
+                <a:latin typeface="Arial"/>
+                <a:ea typeface="Arial"/>
+                <a:cs typeface="Arial"/>
+                <a:sym typeface="Arial"/>
+              </a:defRPr>
+            </a:lvl8pPr>
+            <a:lvl9pPr marL="6217874" marR="0" lvl="8" indent="-537347" algn="l" rtl="0">
+              <a:spcBef>
+                <a:spcPts val="604"/>
+              </a:spcBef>
+              <a:spcAft>
+                <a:spcPts val="0"/>
+              </a:spcAft>
+              <a:buClr>
+                <a:schemeClr val="dk1"/>
+              </a:buClr>
+              <a:buSzPts val="2000"/>
+              <a:buFont typeface="Arial"/>
+              <a:buChar char="•"/>
+              <a:defRPr sz="3022" b="0" i="0" u="none" strike="noStrike" cap="none">
+                <a:solidFill>
+                  <a:schemeClr val="dk1"/>
+                </a:solidFill>
+                <a:latin typeface="Arial"/>
+                <a:ea typeface="Arial"/>
+                <a:cs typeface="Arial"/>
+                <a:sym typeface="Arial"/>
+              </a:defRPr>
+            </a:lvl9pPr>
+          </a:lstStyle>
+          <a:p>
+            <a:endParaRPr/>
+          </a:p>
+        </p:txBody>
+      </p:sp>
+    </p:spTree>
+    <p:extLst>
+      <p:ext uri="{BB962C8B-B14F-4D97-AF65-F5344CB8AC3E}">
+        <p14:creationId xmlns:p14="http://schemas.microsoft.com/office/powerpoint/2010/main" val="4075242373"/>
+      </p:ext>
+    </p:extLst>
+  </p:cSld>
+  <p:clrMapOvr>
+    <a:masterClrMapping/>
+  </p:clrMapOvr>
+  <p:transition>
+    <p:fade/>
+  </p:transition>
+</p:sldLayout>
+</file>
+
 <file path=ppt/slideLayouts/slideLayout3.xml><?xml version="1.0" encoding="utf-8"?>
 <p:sldLayout xmlns:a="http://schemas.openxmlformats.org/drawingml/2006/main" xmlns:r="http://schemas.openxmlformats.org/officeDocument/2006/relationships" xmlns:p="http://schemas.openxmlformats.org/presentationml/2006/main" preserve="1" userDrawn="1">
   <p:cSld name="Title Green Ram CSU">
@@ -6626,6 +7223,7 @@
     <p:sldLayoutId id="2147483677" r:id="rId22"/>
     <p:sldLayoutId id="2147483692" r:id="rId23"/>
     <p:sldLayoutId id="2147483672" r:id="rId24"/>
+    <p:sldLayoutId id="2147483693" r:id="rId25"/>
   </p:sldLayoutIdLst>
   <mc:AlternateContent xmlns:mc="http://schemas.openxmlformats.org/markup-compatibility/2006" xmlns:p14="http://schemas.microsoft.com/office/powerpoint/2010/main">
     <mc:Choice Requires="p14">
@@ -7040,6 +7638,311 @@
           <p:cNvPr id="4" name="Title 3">
             <a:extLst>
               <a:ext uri="{FF2B5EF4-FFF2-40B4-BE49-F238E27FC236}">
+                <a16:creationId xmlns:a16="http://schemas.microsoft.com/office/drawing/2014/main" id="{119AD8F2-D5DB-A84B-A5B3-F7935E3E6D1D}"/>
+              </a:ext>
+            </a:extLst>
+          </p:cNvPr>
+          <p:cNvSpPr>
+            <a:spLocks noGrp="1"/>
+          </p:cNvSpPr>
+          <p:nvPr>
+            <p:ph type="title"/>
+          </p:nvPr>
+        </p:nvSpPr>
+        <p:spPr>
+          <a:xfrm>
+            <a:off x="628076" y="607804"/>
+            <a:ext cx="5642096" cy="916848"/>
+          </a:xfrm>
+        </p:spPr>
+        <p:txBody>
+          <a:bodyPr/>
+          <a:lstStyle/>
+          <a:p>
+            <a:r>
+              <a:rPr lang="en-US" dirty="0"/>
+              <a:t>Announcements</a:t>
+            </a:r>
+          </a:p>
+        </p:txBody>
+      </p:sp>
+      <p:sp>
+        <p:nvSpPr>
+          <p:cNvPr id="5" name="Text Placeholder 4">
+            <a:extLst>
+              <a:ext uri="{FF2B5EF4-FFF2-40B4-BE49-F238E27FC236}">
+                <a16:creationId xmlns:a16="http://schemas.microsoft.com/office/drawing/2014/main" id="{1BBD0DB5-379A-304F-9307-E7B1A89B08F7}"/>
+              </a:ext>
+            </a:extLst>
+          </p:cNvPr>
+          <p:cNvSpPr>
+            <a:spLocks noGrp="1"/>
+          </p:cNvSpPr>
+          <p:nvPr>
+            <p:ph type="body" idx="1"/>
+          </p:nvPr>
+        </p:nvSpPr>
+        <p:spPr>
+          <a:xfrm>
+            <a:off x="628076" y="1826093"/>
+            <a:ext cx="8704610" cy="3142551"/>
+          </a:xfrm>
+        </p:spPr>
+        <p:txBody>
+          <a:bodyPr/>
+          <a:lstStyle/>
+          <a:p>
+            <a:r>
+              <a:rPr lang="en-US" dirty="0"/>
+              <a:t>Monday Help Session in CSB 315</a:t>
+            </a:r>
+          </a:p>
+          <a:p>
+            <a:r>
+              <a:rPr lang="en-US" dirty="0"/>
+              <a:t>Make sure to read this week’s announcement </a:t>
+            </a:r>
+          </a:p>
+          <a:p>
+            <a:pPr lvl="1"/>
+            <a:r>
+              <a:rPr lang="en-US" dirty="0"/>
+              <a:t>Come see me during office hours</a:t>
+            </a:r>
+          </a:p>
+          <a:p>
+            <a:r>
+              <a:rPr lang="en-US" dirty="0"/>
+              <a:t> </a:t>
+            </a:r>
+          </a:p>
+        </p:txBody>
+      </p:sp>
+      <p:sp>
+        <p:nvSpPr>
+          <p:cNvPr id="6" name="TextBox 5">
+            <a:extLst>
+              <a:ext uri="{FF2B5EF4-FFF2-40B4-BE49-F238E27FC236}">
+                <a16:creationId xmlns:a16="http://schemas.microsoft.com/office/drawing/2014/main" id="{32A3B87A-BBC0-704B-AC99-3984206450D5}"/>
+              </a:ext>
+            </a:extLst>
+          </p:cNvPr>
+          <p:cNvSpPr txBox="1"/>
+          <p:nvPr/>
+        </p:nvSpPr>
+        <p:spPr>
+          <a:xfrm>
+            <a:off x="9634356" y="1660010"/>
+            <a:ext cx="3892958" cy="1952586"/>
+          </a:xfrm>
+          <a:prstGeom prst="rect">
+            <a:avLst/>
+          </a:prstGeom>
+          <a:noFill/>
+        </p:spPr>
+        <p:txBody>
+          <a:bodyPr wrap="square" rtlCol="0">
+            <a:spAutoFit/>
+          </a:bodyPr>
+          <a:lstStyle/>
+          <a:p>
+            <a:r>
+              <a:rPr lang="en-US" sz="3022" dirty="0" err="1"/>
+              <a:t>Todo</a:t>
+            </a:r>
+            <a:r>
+              <a:rPr lang="en-US" sz="3022" dirty="0"/>
+              <a:t>:</a:t>
+            </a:r>
+          </a:p>
+          <a:p>
+            <a:r>
+              <a:rPr lang="en-US" sz="3022" dirty="0"/>
+              <a:t>Labs this week </a:t>
+            </a:r>
+          </a:p>
+          <a:p>
+            <a:endParaRPr lang="en-US" sz="3022" dirty="0"/>
+          </a:p>
+          <a:p>
+            <a:r>
+              <a:rPr lang="en-US" sz="3022" dirty="0"/>
+              <a:t>Work on Practical 5</a:t>
+            </a:r>
+          </a:p>
+        </p:txBody>
+      </p:sp>
+      <p:sp>
+        <p:nvSpPr>
+          <p:cNvPr id="7" name="TextBox 6">
+            <a:extLst>
+              <a:ext uri="{FF2B5EF4-FFF2-40B4-BE49-F238E27FC236}">
+                <a16:creationId xmlns:a16="http://schemas.microsoft.com/office/drawing/2014/main" id="{BF16D510-BC74-4FA5-AFD2-193B039115A5}"/>
+              </a:ext>
+            </a:extLst>
+          </p:cNvPr>
+          <p:cNvSpPr txBox="1"/>
+          <p:nvPr/>
+        </p:nvSpPr>
+        <p:spPr>
+          <a:xfrm>
+            <a:off x="7228114" y="362857"/>
+            <a:ext cx="6125029" cy="1015663"/>
+          </a:xfrm>
+          <a:prstGeom prst="rect">
+            <a:avLst/>
+          </a:prstGeom>
+          <a:solidFill>
+            <a:schemeClr val="accent2"/>
+          </a:solidFill>
+        </p:spPr>
+        <p:txBody>
+          <a:bodyPr wrap="square" rtlCol="0">
+            <a:spAutoFit/>
+          </a:bodyPr>
+          <a:lstStyle/>
+          <a:p>
+            <a:r>
+              <a:rPr lang="en-US" b="1" dirty="0"/>
+              <a:t>Opening Question: </a:t>
+            </a:r>
+          </a:p>
+          <a:p>
+            <a:r>
+              <a:rPr lang="en-US" dirty="0"/>
+              <a:t>Talk about inheritance, what do you understand, what do you still struggle with?</a:t>
+            </a:r>
+          </a:p>
+        </p:txBody>
+      </p:sp>
+      <p:sp>
+        <p:nvSpPr>
+          <p:cNvPr id="8" name="TextBox 7">
+            <a:extLst>
+              <a:ext uri="{FF2B5EF4-FFF2-40B4-BE49-F238E27FC236}">
+                <a16:creationId xmlns:a16="http://schemas.microsoft.com/office/drawing/2014/main" id="{BAB4692C-71C9-4BC4-AAC6-FCD7E7C27E03}"/>
+              </a:ext>
+            </a:extLst>
+          </p:cNvPr>
+          <p:cNvSpPr txBox="1"/>
+          <p:nvPr/>
+        </p:nvSpPr>
+        <p:spPr>
+          <a:xfrm>
+            <a:off x="1469903" y="5591807"/>
+            <a:ext cx="12057411" cy="1754326"/>
+          </a:xfrm>
+          <a:prstGeom prst="rect">
+            <a:avLst/>
+          </a:prstGeom>
+          <a:noFill/>
+          <a:ln>
+            <a:solidFill>
+              <a:schemeClr val="accent5"/>
+            </a:solidFill>
+          </a:ln>
+        </p:spPr>
+        <p:txBody>
+          <a:bodyPr wrap="square">
+            <a:spAutoFit/>
+          </a:bodyPr>
+          <a:lstStyle/>
+          <a:p>
+            <a:r>
+              <a:rPr lang="en-US" sz="1800" dirty="0"/>
+              <a:t>CS 165 – Next Course In Sequence (also 201 is popular with 165)</a:t>
+            </a:r>
+          </a:p>
+          <a:p>
+            <a:pPr marL="342900" indent="-342900">
+              <a:buFont typeface="Arial" panose="020B0604020202020204" pitchFamily="34" charset="0"/>
+              <a:buChar char="•"/>
+            </a:pPr>
+            <a:r>
+              <a:rPr lang="en-US" sz="1800" dirty="0"/>
+              <a:t>CO Jobs Report 2021 – 77% of *all* new jobs in Colorado require programming</a:t>
+            </a:r>
+          </a:p>
+          <a:p>
+            <a:pPr marL="342900" indent="-342900">
+              <a:buFont typeface="Arial" panose="020B0604020202020204" pitchFamily="34" charset="0"/>
+              <a:buChar char="•"/>
+            </a:pPr>
+            <a:r>
+              <a:rPr lang="en-US" sz="1800" dirty="0"/>
+              <a:t>60% of all STEM jobs requires *advanced* (200-300 level) </a:t>
+            </a:r>
+          </a:p>
+          <a:p>
+            <a:pPr marL="342900" indent="-342900">
+              <a:buFont typeface="Arial" panose="020B0604020202020204" pitchFamily="34" charset="0"/>
+              <a:buChar char="•"/>
+            </a:pPr>
+            <a:r>
+              <a:rPr lang="en-US" sz="1800" dirty="0"/>
+              <a:t>31% of all Bachelor of Arts degree titled jobs also required coding skills </a:t>
+            </a:r>
+          </a:p>
+          <a:p>
+            <a:pPr marL="342900" indent="-342900">
+              <a:buFont typeface="Arial" panose="020B0604020202020204" pitchFamily="34" charset="0"/>
+              <a:buChar char="•"/>
+            </a:pPr>
+            <a:r>
+              <a:rPr lang="en-US" sz="1800" dirty="0"/>
+              <a:t>2016 Report found on average jobs that require coding skills paid $22,000 more</a:t>
+            </a:r>
+          </a:p>
+          <a:p>
+            <a:pPr marL="342900" indent="-342900">
+              <a:buFont typeface="Arial" panose="020B0604020202020204" pitchFamily="34" charset="0"/>
+              <a:buChar char="•"/>
+            </a:pPr>
+            <a:r>
+              <a:rPr lang="en-US" sz="1800" dirty="0"/>
+              <a:t>Math and Stats majors, at least consider CS 220 (Discrete Structures) – substitutes in your program requirements</a:t>
+            </a:r>
+          </a:p>
+        </p:txBody>
+      </p:sp>
+    </p:spTree>
+    <p:extLst>
+      <p:ext uri="{BB962C8B-B14F-4D97-AF65-F5344CB8AC3E}">
+        <p14:creationId xmlns:p14="http://schemas.microsoft.com/office/powerpoint/2010/main" val="926474781"/>
+      </p:ext>
+    </p:extLst>
+  </p:cSld>
+  <p:clrMapOvr>
+    <a:masterClrMapping/>
+  </p:clrMapOvr>
+  <p:transition>
+    <p:fade/>
+  </p:transition>
+</p:sld>
+</file>
+
+<file path=ppt/slides/slide3.xml><?xml version="1.0" encoding="utf-8"?>
+<p:sld xmlns:a="http://schemas.openxmlformats.org/drawingml/2006/main" xmlns:r="http://schemas.openxmlformats.org/officeDocument/2006/relationships" xmlns:p="http://schemas.openxmlformats.org/presentationml/2006/main">
+  <p:cSld>
+    <p:spTree>
+      <p:nvGrpSpPr>
+        <p:cNvPr id="1" name=""/>
+        <p:cNvGrpSpPr/>
+        <p:nvPr/>
+      </p:nvGrpSpPr>
+      <p:grpSpPr>
+        <a:xfrm>
+          <a:off x="0" y="0"/>
+          <a:ext cx="0" cy="0"/>
+          <a:chOff x="0" y="0"/>
+          <a:chExt cx="0" cy="0"/>
+        </a:xfrm>
+      </p:grpSpPr>
+      <p:sp>
+        <p:nvSpPr>
+          <p:cNvPr id="4" name="Title 3">
+            <a:extLst>
+              <a:ext uri="{FF2B5EF4-FFF2-40B4-BE49-F238E27FC236}">
                 <a16:creationId xmlns:a16="http://schemas.microsoft.com/office/drawing/2014/main" id="{75E14BDD-66C0-C742-B76F-96253E7BC96A}"/>
               </a:ext>
             </a:extLst>
@@ -7195,7 +8098,7 @@
 </p:sld>
 </file>
 
-<file path=ppt/slides/slide3.xml><?xml version="1.0" encoding="utf-8"?>
+<file path=ppt/slides/slide4.xml><?xml version="1.0" encoding="utf-8"?>
 <p:sld xmlns:a="http://schemas.openxmlformats.org/drawingml/2006/main" xmlns:r="http://schemas.openxmlformats.org/officeDocument/2006/relationships" xmlns:p="http://schemas.openxmlformats.org/presentationml/2006/main">
   <p:cSld>
     <p:spTree>
@@ -8934,7 +9837,7 @@
             </a:solidFill>
             <a:extLst>
               <a:ext uri="{C807C97D-BFC1-408E-A445-0C87EB9F89A2}">
-                <ask:lineSketchStyleProps xmlns:ask="http://schemas.microsoft.com/office/drawing/2018/sketchyshapes" xmlns="" sd="1219033472">
+                <ask:lineSketchStyleProps xmlns:ask="http://schemas.microsoft.com/office/drawing/2018/sketchyshapes" sd="1219033472">
                   <a:prstGeom prst="donut">
                     <a:avLst>
                       <a:gd name="adj" fmla="val 11469"/>
@@ -9349,7 +10252,7 @@
 </p:sld>
 </file>
 
-<file path=ppt/slides/slide4.xml><?xml version="1.0" encoding="utf-8"?>
+<file path=ppt/slides/slide5.xml><?xml version="1.0" encoding="utf-8"?>
 <p:sld xmlns:a="http://schemas.openxmlformats.org/drawingml/2006/main" xmlns:r="http://schemas.openxmlformats.org/officeDocument/2006/relationships" xmlns:p="http://schemas.openxmlformats.org/presentationml/2006/main">
   <p:cSld>
     <p:spTree>
@@ -10445,7 +11348,7 @@
 </p:sld>
 </file>
 
-<file path=ppt/slides/slide5.xml><?xml version="1.0" encoding="utf-8"?>
+<file path=ppt/slides/slide6.xml><?xml version="1.0" encoding="utf-8"?>
 <p:sld xmlns:a="http://schemas.openxmlformats.org/drawingml/2006/main" xmlns:r="http://schemas.openxmlformats.org/officeDocument/2006/relationships" xmlns:p="http://schemas.openxmlformats.org/presentationml/2006/main">
   <p:cSld>
     <p:spTree>
@@ -10664,7 +11567,7 @@
 </p:sld>
 </file>
 
-<file path=ppt/slides/slide6.xml><?xml version="1.0" encoding="utf-8"?>
+<file path=ppt/slides/slide7.xml><?xml version="1.0" encoding="utf-8"?>
 <p:sld xmlns:a="http://schemas.openxmlformats.org/drawingml/2006/main" xmlns:r="http://schemas.openxmlformats.org/officeDocument/2006/relationships" xmlns:p="http://schemas.openxmlformats.org/presentationml/2006/main">
   <p:cSld>
     <p:spTree>
@@ -12737,7 +13640,7 @@
 </p:sld>
 </file>
 
-<file path=ppt/slides/slide7.xml><?xml version="1.0" encoding="utf-8"?>
+<file path=ppt/slides/slide8.xml><?xml version="1.0" encoding="utf-8"?>
 <p:sld xmlns:a="http://schemas.openxmlformats.org/drawingml/2006/main" xmlns:r="http://schemas.openxmlformats.org/officeDocument/2006/relationships" xmlns:p="http://schemas.openxmlformats.org/presentationml/2006/main">
   <p:cSld>
     <p:spTree>
@@ -13991,7 +14894,7 @@
 </p:sld>
 </file>
 
-<file path=ppt/slides/slide8.xml><?xml version="1.0" encoding="utf-8"?>
+<file path=ppt/slides/slide9.xml><?xml version="1.0" encoding="utf-8"?>
 <p:sld xmlns:a="http://schemas.openxmlformats.org/drawingml/2006/main" xmlns:r="http://schemas.openxmlformats.org/officeDocument/2006/relationships" xmlns:p="http://schemas.openxmlformats.org/presentationml/2006/main">
   <p:cSld>
     <p:spTree>
